--- a/Slides_and_notes/M1_CaseStudy_Fire_Alarm.pptx
+++ b/Slides_and_notes/M1_CaseStudy_Fire_Alarm.pptx
@@ -81,8 +81,8 @@
         </p:nvSpPr>
         <p:spPr>
           <a:xfrm>
-            <a:off x="360000" y="106200"/>
-            <a:ext cx="9359640" cy="625320"/>
+            <a:off x="504000" y="226080"/>
+            <a:ext cx="9072000" cy="946440"/>
           </a:xfrm>
           <a:prstGeom prst="rect">
             <a:avLst/>
@@ -118,8 +118,8 @@
         </p:nvSpPr>
         <p:spPr>
           <a:xfrm>
-            <a:off x="360000" y="1080000"/>
-            <a:ext cx="9359640" cy="1716840"/>
+            <a:off x="504000" y="1326600"/>
+            <a:ext cx="9072000" cy="1568520"/>
           </a:xfrm>
           <a:prstGeom prst="rect">
             <a:avLst/>
@@ -152,8 +152,8 @@
         </p:nvSpPr>
         <p:spPr>
           <a:xfrm>
-            <a:off x="360000" y="2960280"/>
-            <a:ext cx="9359640" cy="1716840"/>
+            <a:off x="504000" y="3044520"/>
+            <a:ext cx="9072000" cy="1568520"/>
           </a:xfrm>
           <a:prstGeom prst="rect">
             <a:avLst/>
@@ -208,8 +208,8 @@
         </p:nvSpPr>
         <p:spPr>
           <a:xfrm>
-            <a:off x="360000" y="106200"/>
-            <a:ext cx="9359640" cy="625320"/>
+            <a:off x="504000" y="226080"/>
+            <a:ext cx="9072000" cy="946440"/>
           </a:xfrm>
           <a:prstGeom prst="rect">
             <a:avLst/>
@@ -245,8 +245,8 @@
         </p:nvSpPr>
         <p:spPr>
           <a:xfrm>
-            <a:off x="360000" y="1080000"/>
-            <a:ext cx="4567320" cy="1716840"/>
+            <a:off x="504000" y="1326600"/>
+            <a:ext cx="4426920" cy="1568520"/>
           </a:xfrm>
           <a:prstGeom prst="rect">
             <a:avLst/>
@@ -279,8 +279,8 @@
         </p:nvSpPr>
         <p:spPr>
           <a:xfrm>
-            <a:off x="5155920" y="1080000"/>
-            <a:ext cx="4567320" cy="1716840"/>
+            <a:off x="5152680" y="1326600"/>
+            <a:ext cx="4426920" cy="1568520"/>
           </a:xfrm>
           <a:prstGeom prst="rect">
             <a:avLst/>
@@ -313,8 +313,8 @@
         </p:nvSpPr>
         <p:spPr>
           <a:xfrm>
-            <a:off x="360000" y="2960280"/>
-            <a:ext cx="4567320" cy="1716840"/>
+            <a:off x="504000" y="3044520"/>
+            <a:ext cx="4426920" cy="1568520"/>
           </a:xfrm>
           <a:prstGeom prst="rect">
             <a:avLst/>
@@ -347,8 +347,8 @@
         </p:nvSpPr>
         <p:spPr>
           <a:xfrm>
-            <a:off x="5155920" y="2960280"/>
-            <a:ext cx="4567320" cy="1716840"/>
+            <a:off x="5152680" y="3044520"/>
+            <a:ext cx="4426920" cy="1568520"/>
           </a:xfrm>
           <a:prstGeom prst="rect">
             <a:avLst/>
@@ -403,8 +403,8 @@
         </p:nvSpPr>
         <p:spPr>
           <a:xfrm>
-            <a:off x="360000" y="106200"/>
-            <a:ext cx="9359640" cy="625320"/>
+            <a:off x="504000" y="226080"/>
+            <a:ext cx="9072000" cy="946440"/>
           </a:xfrm>
           <a:prstGeom prst="rect">
             <a:avLst/>
@@ -440,8 +440,8 @@
         </p:nvSpPr>
         <p:spPr>
           <a:xfrm>
-            <a:off x="360000" y="1080000"/>
-            <a:ext cx="3013560" cy="1716840"/>
+            <a:off x="504000" y="1326600"/>
+            <a:ext cx="2921040" cy="1568520"/>
           </a:xfrm>
           <a:prstGeom prst="rect">
             <a:avLst/>
@@ -474,8 +474,8 @@
         </p:nvSpPr>
         <p:spPr>
           <a:xfrm>
-            <a:off x="3524760" y="1080000"/>
-            <a:ext cx="3013560" cy="1716840"/>
+            <a:off x="3571560" y="1326600"/>
+            <a:ext cx="2921040" cy="1568520"/>
           </a:xfrm>
           <a:prstGeom prst="rect">
             <a:avLst/>
@@ -508,8 +508,8 @@
         </p:nvSpPr>
         <p:spPr>
           <a:xfrm>
-            <a:off x="6689160" y="1080000"/>
-            <a:ext cx="3013560" cy="1716840"/>
+            <a:off x="6639120" y="1326600"/>
+            <a:ext cx="2921040" cy="1568520"/>
           </a:xfrm>
           <a:prstGeom prst="rect">
             <a:avLst/>
@@ -542,8 +542,8 @@
         </p:nvSpPr>
         <p:spPr>
           <a:xfrm>
-            <a:off x="360000" y="2960280"/>
-            <a:ext cx="3013560" cy="1716840"/>
+            <a:off x="504000" y="3044520"/>
+            <a:ext cx="2921040" cy="1568520"/>
           </a:xfrm>
           <a:prstGeom prst="rect">
             <a:avLst/>
@@ -576,8 +576,8 @@
         </p:nvSpPr>
         <p:spPr>
           <a:xfrm>
-            <a:off x="3524760" y="2960280"/>
-            <a:ext cx="3013560" cy="1716840"/>
+            <a:off x="3571560" y="3044520"/>
+            <a:ext cx="2921040" cy="1568520"/>
           </a:xfrm>
           <a:prstGeom prst="rect">
             <a:avLst/>
@@ -610,8 +610,8 @@
         </p:nvSpPr>
         <p:spPr>
           <a:xfrm>
-            <a:off x="6689160" y="2960280"/>
-            <a:ext cx="3013560" cy="1716840"/>
+            <a:off x="6639120" y="3044520"/>
+            <a:ext cx="2921040" cy="1568520"/>
           </a:xfrm>
           <a:prstGeom prst="rect">
             <a:avLst/>
@@ -688,7 +688,7 @@
         <p:txBody>
           <a:bodyPr/>
           <a:p>
-            <a:fld id="{68F3AE18-B6A7-49FE-B2AE-B7A82B07DE26}" type="slidenum">
+            <a:fld id="{AA67600D-A673-4FAE-B6AF-04B101A3134A}" type="slidenum">
               <a:t>&lt;#&gt;</a:t>
             </a:fld>
           </a:p>
@@ -749,8 +749,8 @@
         </p:nvSpPr>
         <p:spPr>
           <a:xfrm>
-            <a:off x="360000" y="106200"/>
-            <a:ext cx="9359640" cy="625320"/>
+            <a:off x="504000" y="226080"/>
+            <a:ext cx="9072000" cy="946440"/>
           </a:xfrm>
           <a:prstGeom prst="rect">
             <a:avLst/>
@@ -786,8 +786,8 @@
         </p:nvSpPr>
         <p:spPr>
           <a:xfrm>
-            <a:off x="360000" y="1080000"/>
-            <a:ext cx="9359640" cy="3599640"/>
+            <a:off x="504000" y="1326600"/>
+            <a:ext cx="9072000" cy="3288600"/>
           </a:xfrm>
           <a:prstGeom prst="rect">
             <a:avLst/>
@@ -845,7 +845,7 @@
         <p:txBody>
           <a:bodyPr/>
           <a:p>
-            <a:fld id="{E97F4040-294F-4558-B871-A2D9D885566B}" type="slidenum">
+            <a:fld id="{6415F4E5-DC98-4E68-A60A-9C4E41A9933F}" type="slidenum">
               <a:t>&lt;#&gt;</a:t>
             </a:fld>
           </a:p>
@@ -906,8 +906,8 @@
         </p:nvSpPr>
         <p:spPr>
           <a:xfrm>
-            <a:off x="360000" y="106200"/>
-            <a:ext cx="9359640" cy="625320"/>
+            <a:off x="504000" y="226080"/>
+            <a:ext cx="9072000" cy="946440"/>
           </a:xfrm>
           <a:prstGeom prst="rect">
             <a:avLst/>
@@ -943,8 +943,8 @@
         </p:nvSpPr>
         <p:spPr>
           <a:xfrm>
-            <a:off x="360000" y="1080000"/>
-            <a:ext cx="9359640" cy="3599640"/>
+            <a:off x="504000" y="1326600"/>
+            <a:ext cx="9072000" cy="3288600"/>
           </a:xfrm>
           <a:prstGeom prst="rect">
             <a:avLst/>
@@ -999,7 +999,7 @@
         <p:txBody>
           <a:bodyPr/>
           <a:p>
-            <a:fld id="{4E25C799-87EC-4E3C-8C7E-BA7C1D74FB24}" type="slidenum">
+            <a:fld id="{B809D709-2224-43E7-A1DF-285779285509}" type="slidenum">
               <a:t>&lt;#&gt;</a:t>
             </a:fld>
           </a:p>
@@ -1060,8 +1060,8 @@
         </p:nvSpPr>
         <p:spPr>
           <a:xfrm>
-            <a:off x="360000" y="106200"/>
-            <a:ext cx="9359640" cy="625320"/>
+            <a:off x="504000" y="226080"/>
+            <a:ext cx="9072000" cy="946440"/>
           </a:xfrm>
           <a:prstGeom prst="rect">
             <a:avLst/>
@@ -1097,8 +1097,8 @@
         </p:nvSpPr>
         <p:spPr>
           <a:xfrm>
-            <a:off x="360000" y="1080000"/>
-            <a:ext cx="4567320" cy="3599640"/>
+            <a:off x="504000" y="1326600"/>
+            <a:ext cx="4426920" cy="3288600"/>
           </a:xfrm>
           <a:prstGeom prst="rect">
             <a:avLst/>
@@ -1131,8 +1131,8 @@
         </p:nvSpPr>
         <p:spPr>
           <a:xfrm>
-            <a:off x="5155920" y="1080000"/>
-            <a:ext cx="4567320" cy="3599640"/>
+            <a:off x="5152680" y="1326600"/>
+            <a:ext cx="4426920" cy="3288600"/>
           </a:xfrm>
           <a:prstGeom prst="rect">
             <a:avLst/>
@@ -1187,7 +1187,7 @@
         <p:txBody>
           <a:bodyPr/>
           <a:p>
-            <a:fld id="{9F1276C4-801B-4C8C-B770-22EA60D52984}" type="slidenum">
+            <a:fld id="{C68AEB0A-4A9C-423A-9BFB-BD6FB694E7E0}" type="slidenum">
               <a:t>&lt;#&gt;</a:t>
             </a:fld>
           </a:p>
@@ -1248,8 +1248,8 @@
         </p:nvSpPr>
         <p:spPr>
           <a:xfrm>
-            <a:off x="360000" y="106200"/>
-            <a:ext cx="9359640" cy="625320"/>
+            <a:off x="504000" y="226080"/>
+            <a:ext cx="9072000" cy="946440"/>
           </a:xfrm>
           <a:prstGeom prst="rect">
             <a:avLst/>
@@ -1307,7 +1307,7 @@
         <p:txBody>
           <a:bodyPr/>
           <a:p>
-            <a:fld id="{013FABB0-122B-4BF2-BFD7-E87F7D54CC48}" type="slidenum">
+            <a:fld id="{82D73957-A9C1-4BE3-A114-170D599E3512}" type="slidenum">
               <a:t>&lt;#&gt;</a:t>
             </a:fld>
           </a:p>
@@ -1368,8 +1368,8 @@
         </p:nvSpPr>
         <p:spPr>
           <a:xfrm>
-            <a:off x="360000" y="180000"/>
-            <a:ext cx="9359640" cy="2215800"/>
+            <a:off x="504000" y="226080"/>
+            <a:ext cx="9072000" cy="4388400"/>
           </a:xfrm>
           <a:prstGeom prst="rect">
             <a:avLst/>
@@ -1427,7 +1427,7 @@
         <p:txBody>
           <a:bodyPr/>
           <a:p>
-            <a:fld id="{14CB5E16-4B73-46AB-BE2A-5F419764C423}" type="slidenum">
+            <a:fld id="{13625037-AB1D-4FE8-920D-434C90A32195}" type="slidenum">
               <a:t>&lt;#&gt;</a:t>
             </a:fld>
           </a:p>
@@ -1488,8 +1488,8 @@
         </p:nvSpPr>
         <p:spPr>
           <a:xfrm>
-            <a:off x="360000" y="106200"/>
-            <a:ext cx="9359640" cy="625320"/>
+            <a:off x="504000" y="226080"/>
+            <a:ext cx="9072000" cy="946440"/>
           </a:xfrm>
           <a:prstGeom prst="rect">
             <a:avLst/>
@@ -1525,8 +1525,8 @@
         </p:nvSpPr>
         <p:spPr>
           <a:xfrm>
-            <a:off x="360000" y="1080000"/>
-            <a:ext cx="4567320" cy="1716840"/>
+            <a:off x="504000" y="1326600"/>
+            <a:ext cx="4426920" cy="1568520"/>
           </a:xfrm>
           <a:prstGeom prst="rect">
             <a:avLst/>
@@ -1559,8 +1559,8 @@
         </p:nvSpPr>
         <p:spPr>
           <a:xfrm>
-            <a:off x="5155920" y="1080000"/>
-            <a:ext cx="4567320" cy="3599640"/>
+            <a:off x="5152680" y="1326600"/>
+            <a:ext cx="4426920" cy="3288600"/>
           </a:xfrm>
           <a:prstGeom prst="rect">
             <a:avLst/>
@@ -1593,8 +1593,8 @@
         </p:nvSpPr>
         <p:spPr>
           <a:xfrm>
-            <a:off x="360000" y="2960280"/>
-            <a:ext cx="4567320" cy="1716840"/>
+            <a:off x="504000" y="3044520"/>
+            <a:ext cx="4426920" cy="1568520"/>
           </a:xfrm>
           <a:prstGeom prst="rect">
             <a:avLst/>
@@ -1649,7 +1649,7 @@
         <p:txBody>
           <a:bodyPr/>
           <a:p>
-            <a:fld id="{F7C410BD-097B-4E26-AF50-643552440690}" type="slidenum">
+            <a:fld id="{8CFA3054-E9FA-469B-8BEB-AD6975D72549}" type="slidenum">
               <a:t>&lt;#&gt;</a:t>
             </a:fld>
           </a:p>
@@ -1710,8 +1710,8 @@
         </p:nvSpPr>
         <p:spPr>
           <a:xfrm>
-            <a:off x="360000" y="106200"/>
-            <a:ext cx="9359640" cy="625320"/>
+            <a:off x="504000" y="226080"/>
+            <a:ext cx="9072000" cy="946440"/>
           </a:xfrm>
           <a:prstGeom prst="rect">
             <a:avLst/>
@@ -1747,8 +1747,8 @@
         </p:nvSpPr>
         <p:spPr>
           <a:xfrm>
-            <a:off x="360000" y="1080000"/>
-            <a:ext cx="9359640" cy="3599640"/>
+            <a:off x="504000" y="1326600"/>
+            <a:ext cx="9072000" cy="3288600"/>
           </a:xfrm>
           <a:prstGeom prst="rect">
             <a:avLst/>
@@ -1806,8 +1806,8 @@
         </p:nvSpPr>
         <p:spPr>
           <a:xfrm>
-            <a:off x="360000" y="106200"/>
-            <a:ext cx="9359640" cy="625320"/>
+            <a:off x="504000" y="226080"/>
+            <a:ext cx="9072000" cy="946440"/>
           </a:xfrm>
           <a:prstGeom prst="rect">
             <a:avLst/>
@@ -1843,8 +1843,8 @@
         </p:nvSpPr>
         <p:spPr>
           <a:xfrm>
-            <a:off x="360000" y="1080000"/>
-            <a:ext cx="4567320" cy="3599640"/>
+            <a:off x="504000" y="1326600"/>
+            <a:ext cx="4426920" cy="3288600"/>
           </a:xfrm>
           <a:prstGeom prst="rect">
             <a:avLst/>
@@ -1877,8 +1877,8 @@
         </p:nvSpPr>
         <p:spPr>
           <a:xfrm>
-            <a:off x="5155920" y="1080000"/>
-            <a:ext cx="4567320" cy="1716840"/>
+            <a:off x="5152680" y="1326600"/>
+            <a:ext cx="4426920" cy="1568520"/>
           </a:xfrm>
           <a:prstGeom prst="rect">
             <a:avLst/>
@@ -1911,8 +1911,8 @@
         </p:nvSpPr>
         <p:spPr>
           <a:xfrm>
-            <a:off x="5155920" y="2960280"/>
-            <a:ext cx="4567320" cy="1716840"/>
+            <a:off x="5152680" y="3044520"/>
+            <a:ext cx="4426920" cy="1568520"/>
           </a:xfrm>
           <a:prstGeom prst="rect">
             <a:avLst/>
@@ -1967,7 +1967,7 @@
         <p:txBody>
           <a:bodyPr/>
           <a:p>
-            <a:fld id="{B6160CD1-6FA1-4446-A72D-5E2108E74537}" type="slidenum">
+            <a:fld id="{36043D49-5095-4008-865F-3AFF66D6BDFC}" type="slidenum">
               <a:t>&lt;#&gt;</a:t>
             </a:fld>
           </a:p>
@@ -2028,8 +2028,8 @@
         </p:nvSpPr>
         <p:spPr>
           <a:xfrm>
-            <a:off x="360000" y="106200"/>
-            <a:ext cx="9359640" cy="625320"/>
+            <a:off x="504000" y="226080"/>
+            <a:ext cx="9072000" cy="946440"/>
           </a:xfrm>
           <a:prstGeom prst="rect">
             <a:avLst/>
@@ -2065,8 +2065,8 @@
         </p:nvSpPr>
         <p:spPr>
           <a:xfrm>
-            <a:off x="360000" y="1080000"/>
-            <a:ext cx="4567320" cy="1716840"/>
+            <a:off x="504000" y="1326600"/>
+            <a:ext cx="4426920" cy="1568520"/>
           </a:xfrm>
           <a:prstGeom prst="rect">
             <a:avLst/>
@@ -2099,8 +2099,8 @@
         </p:nvSpPr>
         <p:spPr>
           <a:xfrm>
-            <a:off x="5155920" y="1080000"/>
-            <a:ext cx="4567320" cy="1716840"/>
+            <a:off x="5152680" y="1326600"/>
+            <a:ext cx="4426920" cy="1568520"/>
           </a:xfrm>
           <a:prstGeom prst="rect">
             <a:avLst/>
@@ -2133,8 +2133,8 @@
         </p:nvSpPr>
         <p:spPr>
           <a:xfrm>
-            <a:off x="360000" y="2960280"/>
-            <a:ext cx="9359640" cy="1716840"/>
+            <a:off x="504000" y="3044520"/>
+            <a:ext cx="9072000" cy="1568520"/>
           </a:xfrm>
           <a:prstGeom prst="rect">
             <a:avLst/>
@@ -2189,7 +2189,7 @@
         <p:txBody>
           <a:bodyPr/>
           <a:p>
-            <a:fld id="{0AF69320-DBEC-4139-A77B-33E0DAF1C1A0}" type="slidenum">
+            <a:fld id="{8FFC88DC-3457-49C6-8A17-ED842A98E124}" type="slidenum">
               <a:t>&lt;#&gt;</a:t>
             </a:fld>
           </a:p>
@@ -2250,8 +2250,8 @@
         </p:nvSpPr>
         <p:spPr>
           <a:xfrm>
-            <a:off x="360000" y="106200"/>
-            <a:ext cx="9359640" cy="625320"/>
+            <a:off x="504000" y="226080"/>
+            <a:ext cx="9072000" cy="946440"/>
           </a:xfrm>
           <a:prstGeom prst="rect">
             <a:avLst/>
@@ -2287,8 +2287,8 @@
         </p:nvSpPr>
         <p:spPr>
           <a:xfrm>
-            <a:off x="360000" y="1080000"/>
-            <a:ext cx="9359640" cy="1716840"/>
+            <a:off x="504000" y="1326600"/>
+            <a:ext cx="9072000" cy="1568520"/>
           </a:xfrm>
           <a:prstGeom prst="rect">
             <a:avLst/>
@@ -2321,8 +2321,8 @@
         </p:nvSpPr>
         <p:spPr>
           <a:xfrm>
-            <a:off x="360000" y="2960280"/>
-            <a:ext cx="9359640" cy="1716840"/>
+            <a:off x="504000" y="3044520"/>
+            <a:ext cx="9072000" cy="1568520"/>
           </a:xfrm>
           <a:prstGeom prst="rect">
             <a:avLst/>
@@ -2377,7 +2377,7 @@
         <p:txBody>
           <a:bodyPr/>
           <a:p>
-            <a:fld id="{84541A8F-1EA6-4FBC-BCE4-F00DC4669113}" type="slidenum">
+            <a:fld id="{0E430BAF-307B-48F6-8F49-AF0D661DDEA2}" type="slidenum">
               <a:t>&lt;#&gt;</a:t>
             </a:fld>
           </a:p>
@@ -2438,8 +2438,8 @@
         </p:nvSpPr>
         <p:spPr>
           <a:xfrm>
-            <a:off x="360000" y="106200"/>
-            <a:ext cx="9359640" cy="625320"/>
+            <a:off x="504000" y="226080"/>
+            <a:ext cx="9072000" cy="946440"/>
           </a:xfrm>
           <a:prstGeom prst="rect">
             <a:avLst/>
@@ -2475,8 +2475,8 @@
         </p:nvSpPr>
         <p:spPr>
           <a:xfrm>
-            <a:off x="360000" y="1080000"/>
-            <a:ext cx="4567320" cy="1716840"/>
+            <a:off x="504000" y="1326600"/>
+            <a:ext cx="4426920" cy="1568520"/>
           </a:xfrm>
           <a:prstGeom prst="rect">
             <a:avLst/>
@@ -2509,8 +2509,8 @@
         </p:nvSpPr>
         <p:spPr>
           <a:xfrm>
-            <a:off x="5155920" y="1080000"/>
-            <a:ext cx="4567320" cy="1716840"/>
+            <a:off x="5152680" y="1326600"/>
+            <a:ext cx="4426920" cy="1568520"/>
           </a:xfrm>
           <a:prstGeom prst="rect">
             <a:avLst/>
@@ -2543,8 +2543,8 @@
         </p:nvSpPr>
         <p:spPr>
           <a:xfrm>
-            <a:off x="360000" y="2960280"/>
-            <a:ext cx="4567320" cy="1716840"/>
+            <a:off x="504000" y="3044520"/>
+            <a:ext cx="4426920" cy="1568520"/>
           </a:xfrm>
           <a:prstGeom prst="rect">
             <a:avLst/>
@@ -2577,8 +2577,8 @@
         </p:nvSpPr>
         <p:spPr>
           <a:xfrm>
-            <a:off x="5155920" y="2960280"/>
-            <a:ext cx="4567320" cy="1716840"/>
+            <a:off x="5152680" y="3044520"/>
+            <a:ext cx="4426920" cy="1568520"/>
           </a:xfrm>
           <a:prstGeom prst="rect">
             <a:avLst/>
@@ -2633,7 +2633,7 @@
         <p:txBody>
           <a:bodyPr/>
           <a:p>
-            <a:fld id="{9A4FCA47-5A7F-469B-8701-D30EAC8C0FCB}" type="slidenum">
+            <a:fld id="{F1465551-2322-42D2-97EB-73B09C4D6A51}" type="slidenum">
               <a:t>&lt;#&gt;</a:t>
             </a:fld>
           </a:p>
@@ -2694,8 +2694,8 @@
         </p:nvSpPr>
         <p:spPr>
           <a:xfrm>
-            <a:off x="360000" y="106200"/>
-            <a:ext cx="9359640" cy="625320"/>
+            <a:off x="504000" y="226080"/>
+            <a:ext cx="9072000" cy="946440"/>
           </a:xfrm>
           <a:prstGeom prst="rect">
             <a:avLst/>
@@ -2731,8 +2731,8 @@
         </p:nvSpPr>
         <p:spPr>
           <a:xfrm>
-            <a:off x="360000" y="1080000"/>
-            <a:ext cx="3013560" cy="1716840"/>
+            <a:off x="504000" y="1326600"/>
+            <a:ext cx="2921040" cy="1568520"/>
           </a:xfrm>
           <a:prstGeom prst="rect">
             <a:avLst/>
@@ -2765,8 +2765,8 @@
         </p:nvSpPr>
         <p:spPr>
           <a:xfrm>
-            <a:off x="3524760" y="1080000"/>
-            <a:ext cx="3013560" cy="1716840"/>
+            <a:off x="3571560" y="1326600"/>
+            <a:ext cx="2921040" cy="1568520"/>
           </a:xfrm>
           <a:prstGeom prst="rect">
             <a:avLst/>
@@ -2799,8 +2799,8 @@
         </p:nvSpPr>
         <p:spPr>
           <a:xfrm>
-            <a:off x="6689160" y="1080000"/>
-            <a:ext cx="3013560" cy="1716840"/>
+            <a:off x="6639120" y="1326600"/>
+            <a:ext cx="2921040" cy="1568520"/>
           </a:xfrm>
           <a:prstGeom prst="rect">
             <a:avLst/>
@@ -2833,8 +2833,8 @@
         </p:nvSpPr>
         <p:spPr>
           <a:xfrm>
-            <a:off x="360000" y="2960280"/>
-            <a:ext cx="3013560" cy="1716840"/>
+            <a:off x="504000" y="3044520"/>
+            <a:ext cx="2921040" cy="1568520"/>
           </a:xfrm>
           <a:prstGeom prst="rect">
             <a:avLst/>
@@ -2867,8 +2867,8 @@
         </p:nvSpPr>
         <p:spPr>
           <a:xfrm>
-            <a:off x="3524760" y="2960280"/>
-            <a:ext cx="3013560" cy="1716840"/>
+            <a:off x="3571560" y="3044520"/>
+            <a:ext cx="2921040" cy="1568520"/>
           </a:xfrm>
           <a:prstGeom prst="rect">
             <a:avLst/>
@@ -2901,8 +2901,8 @@
         </p:nvSpPr>
         <p:spPr>
           <a:xfrm>
-            <a:off x="6689160" y="2960280"/>
-            <a:ext cx="3013560" cy="1716840"/>
+            <a:off x="6639120" y="3044520"/>
+            <a:ext cx="2921040" cy="1568520"/>
           </a:xfrm>
           <a:prstGeom prst="rect">
             <a:avLst/>
@@ -2957,7 +2957,7 @@
         <p:txBody>
           <a:bodyPr/>
           <a:p>
-            <a:fld id="{2FE64D74-BC1C-4294-A5E5-BD6368A11509}" type="slidenum">
+            <a:fld id="{13F2DE80-4950-4303-800D-AF640D06C8CC}" type="slidenum">
               <a:t>&lt;#&gt;</a:t>
             </a:fld>
           </a:p>
@@ -3040,7 +3040,7 @@
         <p:txBody>
           <a:bodyPr/>
           <a:p>
-            <a:fld id="{81AB131C-EB53-4F1A-A0C7-051758F1D5DB}" type="slidenum">
+            <a:fld id="{6D22DBF8-77C0-4F7E-93A6-E6554B1F9891}" type="slidenum">
               <a:t>&lt;#&gt;</a:t>
             </a:fld>
           </a:p>
@@ -3101,8 +3101,8 @@
         </p:nvSpPr>
         <p:spPr>
           <a:xfrm>
-            <a:off x="360000" y="106200"/>
-            <a:ext cx="9359640" cy="625320"/>
+            <a:off x="504000" y="226080"/>
+            <a:ext cx="9072000" cy="946440"/>
           </a:xfrm>
           <a:prstGeom prst="rect">
             <a:avLst/>
@@ -3138,8 +3138,8 @@
         </p:nvSpPr>
         <p:spPr>
           <a:xfrm>
-            <a:off x="360000" y="1080000"/>
-            <a:ext cx="9359640" cy="3599640"/>
+            <a:off x="504000" y="1326600"/>
+            <a:ext cx="9072000" cy="3288600"/>
           </a:xfrm>
           <a:prstGeom prst="rect">
             <a:avLst/>
@@ -3197,7 +3197,7 @@
         <p:txBody>
           <a:bodyPr/>
           <a:p>
-            <a:fld id="{21F6BA43-FFF3-4ACE-8D3A-2B6EFAABC2E0}" type="slidenum">
+            <a:fld id="{92EA91D0-08AB-4D1D-A6DF-377DA9D89D68}" type="slidenum">
               <a:t>&lt;#&gt;</a:t>
             </a:fld>
           </a:p>
@@ -3258,8 +3258,8 @@
         </p:nvSpPr>
         <p:spPr>
           <a:xfrm>
-            <a:off x="360000" y="106200"/>
-            <a:ext cx="9359640" cy="625320"/>
+            <a:off x="504000" y="226080"/>
+            <a:ext cx="9072000" cy="946440"/>
           </a:xfrm>
           <a:prstGeom prst="rect">
             <a:avLst/>
@@ -3295,8 +3295,8 @@
         </p:nvSpPr>
         <p:spPr>
           <a:xfrm>
-            <a:off x="360000" y="1080000"/>
-            <a:ext cx="9359640" cy="3599640"/>
+            <a:off x="504000" y="1326600"/>
+            <a:ext cx="9072000" cy="3288600"/>
           </a:xfrm>
           <a:prstGeom prst="rect">
             <a:avLst/>
@@ -3351,7 +3351,7 @@
         <p:txBody>
           <a:bodyPr/>
           <a:p>
-            <a:fld id="{3E270D54-7EF3-4B17-A565-50918BA2D0AC}" type="slidenum">
+            <a:fld id="{29405ECB-896A-4933-8364-A3B8230CF0DF}" type="slidenum">
               <a:t>&lt;#&gt;</a:t>
             </a:fld>
           </a:p>
@@ -3412,8 +3412,8 @@
         </p:nvSpPr>
         <p:spPr>
           <a:xfrm>
-            <a:off x="360000" y="106200"/>
-            <a:ext cx="9359640" cy="625320"/>
+            <a:off x="504000" y="226080"/>
+            <a:ext cx="9072000" cy="946440"/>
           </a:xfrm>
           <a:prstGeom prst="rect">
             <a:avLst/>
@@ -3449,8 +3449,8 @@
         </p:nvSpPr>
         <p:spPr>
           <a:xfrm>
-            <a:off x="360000" y="1080000"/>
-            <a:ext cx="4567320" cy="3599640"/>
+            <a:off x="504000" y="1326600"/>
+            <a:ext cx="4426920" cy="3288600"/>
           </a:xfrm>
           <a:prstGeom prst="rect">
             <a:avLst/>
@@ -3483,8 +3483,8 @@
         </p:nvSpPr>
         <p:spPr>
           <a:xfrm>
-            <a:off x="5155920" y="1080000"/>
-            <a:ext cx="4567320" cy="3599640"/>
+            <a:off x="5152680" y="1326600"/>
+            <a:ext cx="4426920" cy="3288600"/>
           </a:xfrm>
           <a:prstGeom prst="rect">
             <a:avLst/>
@@ -3539,7 +3539,7 @@
         <p:txBody>
           <a:bodyPr/>
           <a:p>
-            <a:fld id="{72C5D4C7-AB37-4FAD-97F2-9A5A88750AF8}" type="slidenum">
+            <a:fld id="{B9BC0821-42DE-450F-A5D6-47DDA0F96A10}" type="slidenum">
               <a:t>&lt;#&gt;</a:t>
             </a:fld>
           </a:p>
@@ -3600,8 +3600,8 @@
         </p:nvSpPr>
         <p:spPr>
           <a:xfrm>
-            <a:off x="360000" y="106200"/>
-            <a:ext cx="9359640" cy="625320"/>
+            <a:off x="504000" y="226080"/>
+            <a:ext cx="9072000" cy="946440"/>
           </a:xfrm>
           <a:prstGeom prst="rect">
             <a:avLst/>
@@ -3659,7 +3659,7 @@
         <p:txBody>
           <a:bodyPr/>
           <a:p>
-            <a:fld id="{BF92B868-2DB0-4FDE-A3E1-9771A7EE6FDF}" type="slidenum">
+            <a:fld id="{3F458942-E2A5-4D7A-928D-E89535C62965}" type="slidenum">
               <a:t>&lt;#&gt;</a:t>
             </a:fld>
           </a:p>
@@ -3720,8 +3720,8 @@
         </p:nvSpPr>
         <p:spPr>
           <a:xfrm>
-            <a:off x="360000" y="106200"/>
-            <a:ext cx="9359640" cy="625320"/>
+            <a:off x="504000" y="226080"/>
+            <a:ext cx="9072000" cy="946440"/>
           </a:xfrm>
           <a:prstGeom prst="rect">
             <a:avLst/>
@@ -3757,8 +3757,8 @@
         </p:nvSpPr>
         <p:spPr>
           <a:xfrm>
-            <a:off x="360000" y="1080000"/>
-            <a:ext cx="9359640" cy="3599640"/>
+            <a:off x="504000" y="1326600"/>
+            <a:ext cx="9072000" cy="3288600"/>
           </a:xfrm>
           <a:prstGeom prst="rect">
             <a:avLst/>
@@ -3813,8 +3813,8 @@
         </p:nvSpPr>
         <p:spPr>
           <a:xfrm>
-            <a:off x="360000" y="180000"/>
-            <a:ext cx="9359640" cy="2215800"/>
+            <a:off x="504000" y="226080"/>
+            <a:ext cx="9072000" cy="4388400"/>
           </a:xfrm>
           <a:prstGeom prst="rect">
             <a:avLst/>
@@ -3872,7 +3872,7 @@
         <p:txBody>
           <a:bodyPr/>
           <a:p>
-            <a:fld id="{F3F3DAD6-1E65-4E03-AF17-276791C566CD}" type="slidenum">
+            <a:fld id="{8959C405-DD0E-474A-A147-E72614B13604}" type="slidenum">
               <a:t>&lt;#&gt;</a:t>
             </a:fld>
           </a:p>
@@ -3933,8 +3933,8 @@
         </p:nvSpPr>
         <p:spPr>
           <a:xfrm>
-            <a:off x="360000" y="106200"/>
-            <a:ext cx="9359640" cy="625320"/>
+            <a:off x="504000" y="226080"/>
+            <a:ext cx="9072000" cy="946440"/>
           </a:xfrm>
           <a:prstGeom prst="rect">
             <a:avLst/>
@@ -3970,8 +3970,8 @@
         </p:nvSpPr>
         <p:spPr>
           <a:xfrm>
-            <a:off x="360000" y="1080000"/>
-            <a:ext cx="4567320" cy="1716840"/>
+            <a:off x="504000" y="1326600"/>
+            <a:ext cx="4426920" cy="1568520"/>
           </a:xfrm>
           <a:prstGeom prst="rect">
             <a:avLst/>
@@ -4004,8 +4004,8 @@
         </p:nvSpPr>
         <p:spPr>
           <a:xfrm>
-            <a:off x="5155920" y="1080000"/>
-            <a:ext cx="4567320" cy="3599640"/>
+            <a:off x="5152680" y="1326600"/>
+            <a:ext cx="4426920" cy="3288600"/>
           </a:xfrm>
           <a:prstGeom prst="rect">
             <a:avLst/>
@@ -4038,8 +4038,8 @@
         </p:nvSpPr>
         <p:spPr>
           <a:xfrm>
-            <a:off x="360000" y="2960280"/>
-            <a:ext cx="4567320" cy="1716840"/>
+            <a:off x="504000" y="3044520"/>
+            <a:ext cx="4426920" cy="1568520"/>
           </a:xfrm>
           <a:prstGeom prst="rect">
             <a:avLst/>
@@ -4094,7 +4094,7 @@
         <p:txBody>
           <a:bodyPr/>
           <a:p>
-            <a:fld id="{2B04355C-46C4-4AA3-8B85-3D08D85DF165}" type="slidenum">
+            <a:fld id="{C25BDF5D-14FA-40F1-B455-E933FAF16565}" type="slidenum">
               <a:t>&lt;#&gt;</a:t>
             </a:fld>
           </a:p>
@@ -4155,8 +4155,8 @@
         </p:nvSpPr>
         <p:spPr>
           <a:xfrm>
-            <a:off x="360000" y="106200"/>
-            <a:ext cx="9359640" cy="625320"/>
+            <a:off x="504000" y="226080"/>
+            <a:ext cx="9072000" cy="946440"/>
           </a:xfrm>
           <a:prstGeom prst="rect">
             <a:avLst/>
@@ -4192,8 +4192,8 @@
         </p:nvSpPr>
         <p:spPr>
           <a:xfrm>
-            <a:off x="360000" y="1080000"/>
-            <a:ext cx="4567320" cy="3599640"/>
+            <a:off x="504000" y="1326600"/>
+            <a:ext cx="4426920" cy="3288600"/>
           </a:xfrm>
           <a:prstGeom prst="rect">
             <a:avLst/>
@@ -4226,8 +4226,8 @@
         </p:nvSpPr>
         <p:spPr>
           <a:xfrm>
-            <a:off x="5155920" y="1080000"/>
-            <a:ext cx="4567320" cy="1716840"/>
+            <a:off x="5152680" y="1326600"/>
+            <a:ext cx="4426920" cy="1568520"/>
           </a:xfrm>
           <a:prstGeom prst="rect">
             <a:avLst/>
@@ -4260,8 +4260,8 @@
         </p:nvSpPr>
         <p:spPr>
           <a:xfrm>
-            <a:off x="5155920" y="2960280"/>
-            <a:ext cx="4567320" cy="1716840"/>
+            <a:off x="5152680" y="3044520"/>
+            <a:ext cx="4426920" cy="1568520"/>
           </a:xfrm>
           <a:prstGeom prst="rect">
             <a:avLst/>
@@ -4316,7 +4316,7 @@
         <p:txBody>
           <a:bodyPr/>
           <a:p>
-            <a:fld id="{3A4EBC2C-0957-4984-9185-DDD9C58E3F6D}" type="slidenum">
+            <a:fld id="{826AD72B-C5E6-447D-859B-34C3AC0FD211}" type="slidenum">
               <a:t>&lt;#&gt;</a:t>
             </a:fld>
           </a:p>
@@ -4377,8 +4377,8 @@
         </p:nvSpPr>
         <p:spPr>
           <a:xfrm>
-            <a:off x="360000" y="106200"/>
-            <a:ext cx="9359640" cy="625320"/>
+            <a:off x="504000" y="226080"/>
+            <a:ext cx="9072000" cy="946440"/>
           </a:xfrm>
           <a:prstGeom prst="rect">
             <a:avLst/>
@@ -4414,8 +4414,8 @@
         </p:nvSpPr>
         <p:spPr>
           <a:xfrm>
-            <a:off x="360000" y="1080000"/>
-            <a:ext cx="4567320" cy="1716840"/>
+            <a:off x="504000" y="1326600"/>
+            <a:ext cx="4426920" cy="1568520"/>
           </a:xfrm>
           <a:prstGeom prst="rect">
             <a:avLst/>
@@ -4448,8 +4448,8 @@
         </p:nvSpPr>
         <p:spPr>
           <a:xfrm>
-            <a:off x="5155920" y="1080000"/>
-            <a:ext cx="4567320" cy="1716840"/>
+            <a:off x="5152680" y="1326600"/>
+            <a:ext cx="4426920" cy="1568520"/>
           </a:xfrm>
           <a:prstGeom prst="rect">
             <a:avLst/>
@@ -4482,8 +4482,8 @@
         </p:nvSpPr>
         <p:spPr>
           <a:xfrm>
-            <a:off x="360000" y="2960280"/>
-            <a:ext cx="9359640" cy="1716840"/>
+            <a:off x="504000" y="3044520"/>
+            <a:ext cx="9072000" cy="1568520"/>
           </a:xfrm>
           <a:prstGeom prst="rect">
             <a:avLst/>
@@ -4538,7 +4538,7 @@
         <p:txBody>
           <a:bodyPr/>
           <a:p>
-            <a:fld id="{7ED6D3B7-4AAC-4A75-9A03-49DF49F47863}" type="slidenum">
+            <a:fld id="{B81B9021-5842-4BD5-A3B9-3BB4BE5B8187}" type="slidenum">
               <a:t>&lt;#&gt;</a:t>
             </a:fld>
           </a:p>
@@ -4599,8 +4599,8 @@
         </p:nvSpPr>
         <p:spPr>
           <a:xfrm>
-            <a:off x="360000" y="106200"/>
-            <a:ext cx="9359640" cy="625320"/>
+            <a:off x="504000" y="226080"/>
+            <a:ext cx="9072000" cy="946440"/>
           </a:xfrm>
           <a:prstGeom prst="rect">
             <a:avLst/>
@@ -4636,8 +4636,8 @@
         </p:nvSpPr>
         <p:spPr>
           <a:xfrm>
-            <a:off x="360000" y="1080000"/>
-            <a:ext cx="9359640" cy="1716840"/>
+            <a:off x="504000" y="1326600"/>
+            <a:ext cx="9072000" cy="1568520"/>
           </a:xfrm>
           <a:prstGeom prst="rect">
             <a:avLst/>
@@ -4670,8 +4670,8 @@
         </p:nvSpPr>
         <p:spPr>
           <a:xfrm>
-            <a:off x="360000" y="2960280"/>
-            <a:ext cx="9359640" cy="1716840"/>
+            <a:off x="504000" y="3044520"/>
+            <a:ext cx="9072000" cy="1568520"/>
           </a:xfrm>
           <a:prstGeom prst="rect">
             <a:avLst/>
@@ -4726,7 +4726,7 @@
         <p:txBody>
           <a:bodyPr/>
           <a:p>
-            <a:fld id="{5E2547ED-570E-4104-9481-51E40A0194F0}" type="slidenum">
+            <a:fld id="{5A7C3120-F05C-4B53-8C8A-CF56C0B9428F}" type="slidenum">
               <a:t>&lt;#&gt;</a:t>
             </a:fld>
           </a:p>
@@ -4787,8 +4787,8 @@
         </p:nvSpPr>
         <p:spPr>
           <a:xfrm>
-            <a:off x="360000" y="106200"/>
-            <a:ext cx="9359640" cy="625320"/>
+            <a:off x="504000" y="226080"/>
+            <a:ext cx="9072000" cy="946440"/>
           </a:xfrm>
           <a:prstGeom prst="rect">
             <a:avLst/>
@@ -4824,8 +4824,8 @@
         </p:nvSpPr>
         <p:spPr>
           <a:xfrm>
-            <a:off x="360000" y="1080000"/>
-            <a:ext cx="4567320" cy="1716840"/>
+            <a:off x="504000" y="1326600"/>
+            <a:ext cx="4426920" cy="1568520"/>
           </a:xfrm>
           <a:prstGeom prst="rect">
             <a:avLst/>
@@ -4858,8 +4858,8 @@
         </p:nvSpPr>
         <p:spPr>
           <a:xfrm>
-            <a:off x="5155920" y="1080000"/>
-            <a:ext cx="4567320" cy="1716840"/>
+            <a:off x="5152680" y="1326600"/>
+            <a:ext cx="4426920" cy="1568520"/>
           </a:xfrm>
           <a:prstGeom prst="rect">
             <a:avLst/>
@@ -4892,8 +4892,8 @@
         </p:nvSpPr>
         <p:spPr>
           <a:xfrm>
-            <a:off x="360000" y="2960280"/>
-            <a:ext cx="4567320" cy="1716840"/>
+            <a:off x="504000" y="3044520"/>
+            <a:ext cx="4426920" cy="1568520"/>
           </a:xfrm>
           <a:prstGeom prst="rect">
             <a:avLst/>
@@ -4926,8 +4926,8 @@
         </p:nvSpPr>
         <p:spPr>
           <a:xfrm>
-            <a:off x="5155920" y="2960280"/>
-            <a:ext cx="4567320" cy="1716840"/>
+            <a:off x="5152680" y="3044520"/>
+            <a:ext cx="4426920" cy="1568520"/>
           </a:xfrm>
           <a:prstGeom prst="rect">
             <a:avLst/>
@@ -4982,7 +4982,7 @@
         <p:txBody>
           <a:bodyPr/>
           <a:p>
-            <a:fld id="{420CD4E0-62F4-4A82-AE6B-0644AB93DCF3}" type="slidenum">
+            <a:fld id="{10A60605-DA7B-4B60-A7CC-62A60E596173}" type="slidenum">
               <a:t>&lt;#&gt;</a:t>
             </a:fld>
           </a:p>
@@ -5043,8 +5043,8 @@
         </p:nvSpPr>
         <p:spPr>
           <a:xfrm>
-            <a:off x="360000" y="106200"/>
-            <a:ext cx="9359640" cy="625320"/>
+            <a:off x="504000" y="226080"/>
+            <a:ext cx="9072000" cy="946440"/>
           </a:xfrm>
           <a:prstGeom prst="rect">
             <a:avLst/>
@@ -5080,8 +5080,8 @@
         </p:nvSpPr>
         <p:spPr>
           <a:xfrm>
-            <a:off x="360000" y="1080000"/>
-            <a:ext cx="3013560" cy="1716840"/>
+            <a:off x="504000" y="1326600"/>
+            <a:ext cx="2921040" cy="1568520"/>
           </a:xfrm>
           <a:prstGeom prst="rect">
             <a:avLst/>
@@ -5114,8 +5114,8 @@
         </p:nvSpPr>
         <p:spPr>
           <a:xfrm>
-            <a:off x="3524760" y="1080000"/>
-            <a:ext cx="3013560" cy="1716840"/>
+            <a:off x="3571560" y="1326600"/>
+            <a:ext cx="2921040" cy="1568520"/>
           </a:xfrm>
           <a:prstGeom prst="rect">
             <a:avLst/>
@@ -5148,8 +5148,8 @@
         </p:nvSpPr>
         <p:spPr>
           <a:xfrm>
-            <a:off x="6689160" y="1080000"/>
-            <a:ext cx="3013560" cy="1716840"/>
+            <a:off x="6639120" y="1326600"/>
+            <a:ext cx="2921040" cy="1568520"/>
           </a:xfrm>
           <a:prstGeom prst="rect">
             <a:avLst/>
@@ -5182,8 +5182,8 @@
         </p:nvSpPr>
         <p:spPr>
           <a:xfrm>
-            <a:off x="360000" y="2960280"/>
-            <a:ext cx="3013560" cy="1716840"/>
+            <a:off x="504000" y="3044520"/>
+            <a:ext cx="2921040" cy="1568520"/>
           </a:xfrm>
           <a:prstGeom prst="rect">
             <a:avLst/>
@@ -5216,8 +5216,8 @@
         </p:nvSpPr>
         <p:spPr>
           <a:xfrm>
-            <a:off x="3524760" y="2960280"/>
-            <a:ext cx="3013560" cy="1716840"/>
+            <a:off x="3571560" y="3044520"/>
+            <a:ext cx="2921040" cy="1568520"/>
           </a:xfrm>
           <a:prstGeom prst="rect">
             <a:avLst/>
@@ -5250,8 +5250,8 @@
         </p:nvSpPr>
         <p:spPr>
           <a:xfrm>
-            <a:off x="6689160" y="2960280"/>
-            <a:ext cx="3013560" cy="1716840"/>
+            <a:off x="6639120" y="3044520"/>
+            <a:ext cx="2921040" cy="1568520"/>
           </a:xfrm>
           <a:prstGeom prst="rect">
             <a:avLst/>
@@ -5306,7 +5306,7 @@
         <p:txBody>
           <a:bodyPr/>
           <a:p>
-            <a:fld id="{220B27A1-E733-4ABE-9D89-E99A1D01007B}" type="slidenum">
+            <a:fld id="{479C06D0-350E-4775-9E73-66D17FC20C74}" type="slidenum">
               <a:t>&lt;#&gt;</a:t>
             </a:fld>
           </a:p>
@@ -5389,7 +5389,7 @@
         <p:txBody>
           <a:bodyPr/>
           <a:p>
-            <a:fld id="{5CEF8818-5CE7-46A5-92D5-8584BD262279}" type="slidenum">
+            <a:fld id="{F989FE0C-1B87-4FCD-BBFF-DA7D2BDEC786}" type="slidenum">
               <a:t>&lt;#&gt;</a:t>
             </a:fld>
           </a:p>
@@ -5450,8 +5450,8 @@
         </p:nvSpPr>
         <p:spPr>
           <a:xfrm>
-            <a:off x="360000" y="106200"/>
-            <a:ext cx="9359640" cy="625320"/>
+            <a:off x="504000" y="226080"/>
+            <a:ext cx="9072000" cy="946440"/>
           </a:xfrm>
           <a:prstGeom prst="rect">
             <a:avLst/>
@@ -5487,8 +5487,8 @@
         </p:nvSpPr>
         <p:spPr>
           <a:xfrm>
-            <a:off x="360000" y="1080000"/>
-            <a:ext cx="9359640" cy="3599640"/>
+            <a:off x="504000" y="1326600"/>
+            <a:ext cx="9072000" cy="3288600"/>
           </a:xfrm>
           <a:prstGeom prst="rect">
             <a:avLst/>
@@ -5546,7 +5546,7 @@
         <p:txBody>
           <a:bodyPr/>
           <a:p>
-            <a:fld id="{AAEE220E-98C1-4BDB-A249-BE29A7EF40D5}" type="slidenum">
+            <a:fld id="{EE75A5E2-6D2F-4B3F-A8FB-A30733666979}" type="slidenum">
               <a:t>&lt;#&gt;</a:t>
             </a:fld>
           </a:p>
@@ -5607,8 +5607,8 @@
         </p:nvSpPr>
         <p:spPr>
           <a:xfrm>
-            <a:off x="360000" y="106200"/>
-            <a:ext cx="9359640" cy="625320"/>
+            <a:off x="504000" y="226080"/>
+            <a:ext cx="9072000" cy="946440"/>
           </a:xfrm>
           <a:prstGeom prst="rect">
             <a:avLst/>
@@ -5644,8 +5644,8 @@
         </p:nvSpPr>
         <p:spPr>
           <a:xfrm>
-            <a:off x="360000" y="1080000"/>
-            <a:ext cx="9359640" cy="3599640"/>
+            <a:off x="504000" y="1326600"/>
+            <a:ext cx="9072000" cy="3288600"/>
           </a:xfrm>
           <a:prstGeom prst="rect">
             <a:avLst/>
@@ -5700,7 +5700,7 @@
         <p:txBody>
           <a:bodyPr/>
           <a:p>
-            <a:fld id="{D2A41BB0-34AD-4EFC-9568-4007B5E4E65B}" type="slidenum">
+            <a:fld id="{63112915-3361-4841-A37A-3CAEA7099F62}" type="slidenum">
               <a:t>&lt;#&gt;</a:t>
             </a:fld>
           </a:p>
@@ -5761,8 +5761,8 @@
         </p:nvSpPr>
         <p:spPr>
           <a:xfrm>
-            <a:off x="360000" y="106200"/>
-            <a:ext cx="9359640" cy="625320"/>
+            <a:off x="504000" y="226080"/>
+            <a:ext cx="9072000" cy="946440"/>
           </a:xfrm>
           <a:prstGeom prst="rect">
             <a:avLst/>
@@ -5798,8 +5798,8 @@
         </p:nvSpPr>
         <p:spPr>
           <a:xfrm>
-            <a:off x="360000" y="1080000"/>
-            <a:ext cx="4567320" cy="3599640"/>
+            <a:off x="504000" y="1326600"/>
+            <a:ext cx="4426920" cy="3288600"/>
           </a:xfrm>
           <a:prstGeom prst="rect">
             <a:avLst/>
@@ -5832,8 +5832,8 @@
         </p:nvSpPr>
         <p:spPr>
           <a:xfrm>
-            <a:off x="5155920" y="1080000"/>
-            <a:ext cx="4567320" cy="3599640"/>
+            <a:off x="5152680" y="1326600"/>
+            <a:ext cx="4426920" cy="3288600"/>
           </a:xfrm>
           <a:prstGeom prst="rect">
             <a:avLst/>
@@ -5888,8 +5888,8 @@
         </p:nvSpPr>
         <p:spPr>
           <a:xfrm>
-            <a:off x="360000" y="106200"/>
-            <a:ext cx="9359640" cy="625320"/>
+            <a:off x="504000" y="226080"/>
+            <a:ext cx="9072000" cy="946440"/>
           </a:xfrm>
           <a:prstGeom prst="rect">
             <a:avLst/>
@@ -5925,8 +5925,8 @@
         </p:nvSpPr>
         <p:spPr>
           <a:xfrm>
-            <a:off x="360000" y="1080000"/>
-            <a:ext cx="4567320" cy="3599640"/>
+            <a:off x="504000" y="1326600"/>
+            <a:ext cx="4426920" cy="3288600"/>
           </a:xfrm>
           <a:prstGeom prst="rect">
             <a:avLst/>
@@ -5959,8 +5959,8 @@
         </p:nvSpPr>
         <p:spPr>
           <a:xfrm>
-            <a:off x="5155920" y="1080000"/>
-            <a:ext cx="4567320" cy="3599640"/>
+            <a:off x="5152680" y="1326600"/>
+            <a:ext cx="4426920" cy="3288600"/>
           </a:xfrm>
           <a:prstGeom prst="rect">
             <a:avLst/>
@@ -6015,7 +6015,7 @@
         <p:txBody>
           <a:bodyPr/>
           <a:p>
-            <a:fld id="{13123E22-853C-4D70-8B93-E8048792A848}" type="slidenum">
+            <a:fld id="{35E32420-0AF9-4912-B7E1-A5ABA3B9A9EE}" type="slidenum">
               <a:t>&lt;#&gt;</a:t>
             </a:fld>
           </a:p>
@@ -6076,8 +6076,8 @@
         </p:nvSpPr>
         <p:spPr>
           <a:xfrm>
-            <a:off x="360000" y="106200"/>
-            <a:ext cx="9359640" cy="625320"/>
+            <a:off x="504000" y="226080"/>
+            <a:ext cx="9072000" cy="946440"/>
           </a:xfrm>
           <a:prstGeom prst="rect">
             <a:avLst/>
@@ -6135,7 +6135,7 @@
         <p:txBody>
           <a:bodyPr/>
           <a:p>
-            <a:fld id="{EFE08E8E-937B-4D33-B2C1-AB52FE32CE41}" type="slidenum">
+            <a:fld id="{CBBC1016-A314-4C55-872C-2783B85DD27A}" type="slidenum">
               <a:t>&lt;#&gt;</a:t>
             </a:fld>
           </a:p>
@@ -6196,8 +6196,8 @@
         </p:nvSpPr>
         <p:spPr>
           <a:xfrm>
-            <a:off x="360000" y="180000"/>
-            <a:ext cx="9359640" cy="2215800"/>
+            <a:off x="504000" y="226080"/>
+            <a:ext cx="9072000" cy="4388400"/>
           </a:xfrm>
           <a:prstGeom prst="rect">
             <a:avLst/>
@@ -6255,7 +6255,7 @@
         <p:txBody>
           <a:bodyPr/>
           <a:p>
-            <a:fld id="{C432BEDA-9B96-427B-9A12-9C853F70DEF4}" type="slidenum">
+            <a:fld id="{27FE0687-97CE-4253-A73F-70F92B45953A}" type="slidenum">
               <a:t>&lt;#&gt;</a:t>
             </a:fld>
           </a:p>
@@ -6316,8 +6316,8 @@
         </p:nvSpPr>
         <p:spPr>
           <a:xfrm>
-            <a:off x="360000" y="106200"/>
-            <a:ext cx="9359640" cy="625320"/>
+            <a:off x="504000" y="226080"/>
+            <a:ext cx="9072000" cy="946440"/>
           </a:xfrm>
           <a:prstGeom prst="rect">
             <a:avLst/>
@@ -6353,8 +6353,8 @@
         </p:nvSpPr>
         <p:spPr>
           <a:xfrm>
-            <a:off x="360000" y="1080000"/>
-            <a:ext cx="4567320" cy="1716840"/>
+            <a:off x="504000" y="1326600"/>
+            <a:ext cx="4426920" cy="1568520"/>
           </a:xfrm>
           <a:prstGeom prst="rect">
             <a:avLst/>
@@ -6387,8 +6387,8 @@
         </p:nvSpPr>
         <p:spPr>
           <a:xfrm>
-            <a:off x="5155920" y="1080000"/>
-            <a:ext cx="4567320" cy="3599640"/>
+            <a:off x="5152680" y="1326600"/>
+            <a:ext cx="4426920" cy="3288600"/>
           </a:xfrm>
           <a:prstGeom prst="rect">
             <a:avLst/>
@@ -6421,8 +6421,8 @@
         </p:nvSpPr>
         <p:spPr>
           <a:xfrm>
-            <a:off x="360000" y="2960280"/>
-            <a:ext cx="4567320" cy="1716840"/>
+            <a:off x="504000" y="3044520"/>
+            <a:ext cx="4426920" cy="1568520"/>
           </a:xfrm>
           <a:prstGeom prst="rect">
             <a:avLst/>
@@ -6477,7 +6477,7 @@
         <p:txBody>
           <a:bodyPr/>
           <a:p>
-            <a:fld id="{41289F04-3F90-4325-AA85-D42299E510C9}" type="slidenum">
+            <a:fld id="{B8CE51E4-D373-4F63-847C-5BFEF28E1EAE}" type="slidenum">
               <a:t>&lt;#&gt;</a:t>
             </a:fld>
           </a:p>
@@ -6538,8 +6538,8 @@
         </p:nvSpPr>
         <p:spPr>
           <a:xfrm>
-            <a:off x="360000" y="106200"/>
-            <a:ext cx="9359640" cy="625320"/>
+            <a:off x="504000" y="226080"/>
+            <a:ext cx="9072000" cy="946440"/>
           </a:xfrm>
           <a:prstGeom prst="rect">
             <a:avLst/>
@@ -6575,8 +6575,8 @@
         </p:nvSpPr>
         <p:spPr>
           <a:xfrm>
-            <a:off x="360000" y="1080000"/>
-            <a:ext cx="4567320" cy="3599640"/>
+            <a:off x="504000" y="1326600"/>
+            <a:ext cx="4426920" cy="3288600"/>
           </a:xfrm>
           <a:prstGeom prst="rect">
             <a:avLst/>
@@ -6609,8 +6609,8 @@
         </p:nvSpPr>
         <p:spPr>
           <a:xfrm>
-            <a:off x="5155920" y="1080000"/>
-            <a:ext cx="4567320" cy="1716840"/>
+            <a:off x="5152680" y="1326600"/>
+            <a:ext cx="4426920" cy="1568520"/>
           </a:xfrm>
           <a:prstGeom prst="rect">
             <a:avLst/>
@@ -6643,8 +6643,8 @@
         </p:nvSpPr>
         <p:spPr>
           <a:xfrm>
-            <a:off x="5155920" y="2960280"/>
-            <a:ext cx="4567320" cy="1716840"/>
+            <a:off x="5152680" y="3044520"/>
+            <a:ext cx="4426920" cy="1568520"/>
           </a:xfrm>
           <a:prstGeom prst="rect">
             <a:avLst/>
@@ -6699,7 +6699,7 @@
         <p:txBody>
           <a:bodyPr/>
           <a:p>
-            <a:fld id="{B0B92366-514F-4442-8FF9-C255A1497B4B}" type="slidenum">
+            <a:fld id="{7D489CA6-9FE5-4CE0-9C7F-C8D7538D84E8}" type="slidenum">
               <a:t>&lt;#&gt;</a:t>
             </a:fld>
           </a:p>
@@ -6760,8 +6760,8 @@
         </p:nvSpPr>
         <p:spPr>
           <a:xfrm>
-            <a:off x="360000" y="106200"/>
-            <a:ext cx="9359640" cy="625320"/>
+            <a:off x="504000" y="226080"/>
+            <a:ext cx="9072000" cy="946440"/>
           </a:xfrm>
           <a:prstGeom prst="rect">
             <a:avLst/>
@@ -6797,8 +6797,8 @@
         </p:nvSpPr>
         <p:spPr>
           <a:xfrm>
-            <a:off x="360000" y="1080000"/>
-            <a:ext cx="4567320" cy="1716840"/>
+            <a:off x="504000" y="1326600"/>
+            <a:ext cx="4426920" cy="1568520"/>
           </a:xfrm>
           <a:prstGeom prst="rect">
             <a:avLst/>
@@ -6831,8 +6831,8 @@
         </p:nvSpPr>
         <p:spPr>
           <a:xfrm>
-            <a:off x="5155920" y="1080000"/>
-            <a:ext cx="4567320" cy="1716840"/>
+            <a:off x="5152680" y="1326600"/>
+            <a:ext cx="4426920" cy="1568520"/>
           </a:xfrm>
           <a:prstGeom prst="rect">
             <a:avLst/>
@@ -6865,8 +6865,8 @@
         </p:nvSpPr>
         <p:spPr>
           <a:xfrm>
-            <a:off x="360000" y="2960280"/>
-            <a:ext cx="9359640" cy="1716840"/>
+            <a:off x="504000" y="3044520"/>
+            <a:ext cx="9072000" cy="1568520"/>
           </a:xfrm>
           <a:prstGeom prst="rect">
             <a:avLst/>
@@ -6921,7 +6921,7 @@
         <p:txBody>
           <a:bodyPr/>
           <a:p>
-            <a:fld id="{0F7B5941-6709-4467-9F8D-F45EA88E2FCD}" type="slidenum">
+            <a:fld id="{0A2CFD8D-D55F-4C00-B7FA-C0099C24FF74}" type="slidenum">
               <a:t>&lt;#&gt;</a:t>
             </a:fld>
           </a:p>
@@ -6982,8 +6982,8 @@
         </p:nvSpPr>
         <p:spPr>
           <a:xfrm>
-            <a:off x="360000" y="106200"/>
-            <a:ext cx="9359640" cy="625320"/>
+            <a:off x="504000" y="226080"/>
+            <a:ext cx="9072000" cy="946440"/>
           </a:xfrm>
           <a:prstGeom prst="rect">
             <a:avLst/>
@@ -7019,8 +7019,8 @@
         </p:nvSpPr>
         <p:spPr>
           <a:xfrm>
-            <a:off x="360000" y="1080000"/>
-            <a:ext cx="9359640" cy="1716840"/>
+            <a:off x="504000" y="1326600"/>
+            <a:ext cx="9072000" cy="1568520"/>
           </a:xfrm>
           <a:prstGeom prst="rect">
             <a:avLst/>
@@ -7053,8 +7053,8 @@
         </p:nvSpPr>
         <p:spPr>
           <a:xfrm>
-            <a:off x="360000" y="2960280"/>
-            <a:ext cx="9359640" cy="1716840"/>
+            <a:off x="504000" y="3044520"/>
+            <a:ext cx="9072000" cy="1568520"/>
           </a:xfrm>
           <a:prstGeom prst="rect">
             <a:avLst/>
@@ -7109,7 +7109,7 @@
         <p:txBody>
           <a:bodyPr/>
           <a:p>
-            <a:fld id="{EF345BC9-33C6-46A0-B65A-993E21A28C6C}" type="slidenum">
+            <a:fld id="{1F77CB33-1374-49D8-B344-45F0A57E070E}" type="slidenum">
               <a:t>&lt;#&gt;</a:t>
             </a:fld>
           </a:p>
@@ -7170,8 +7170,8 @@
         </p:nvSpPr>
         <p:spPr>
           <a:xfrm>
-            <a:off x="360000" y="106200"/>
-            <a:ext cx="9359640" cy="625320"/>
+            <a:off x="504000" y="226080"/>
+            <a:ext cx="9072000" cy="946440"/>
           </a:xfrm>
           <a:prstGeom prst="rect">
             <a:avLst/>
@@ -7207,8 +7207,8 @@
         </p:nvSpPr>
         <p:spPr>
           <a:xfrm>
-            <a:off x="360000" y="1080000"/>
-            <a:ext cx="4567320" cy="1716840"/>
+            <a:off x="504000" y="1326600"/>
+            <a:ext cx="4426920" cy="1568520"/>
           </a:xfrm>
           <a:prstGeom prst="rect">
             <a:avLst/>
@@ -7241,8 +7241,8 @@
         </p:nvSpPr>
         <p:spPr>
           <a:xfrm>
-            <a:off x="5155920" y="1080000"/>
-            <a:ext cx="4567320" cy="1716840"/>
+            <a:off x="5152680" y="1326600"/>
+            <a:ext cx="4426920" cy="1568520"/>
           </a:xfrm>
           <a:prstGeom prst="rect">
             <a:avLst/>
@@ -7275,8 +7275,8 @@
         </p:nvSpPr>
         <p:spPr>
           <a:xfrm>
-            <a:off x="360000" y="2960280"/>
-            <a:ext cx="4567320" cy="1716840"/>
+            <a:off x="504000" y="3044520"/>
+            <a:ext cx="4426920" cy="1568520"/>
           </a:xfrm>
           <a:prstGeom prst="rect">
             <a:avLst/>
@@ -7309,8 +7309,8 @@
         </p:nvSpPr>
         <p:spPr>
           <a:xfrm>
-            <a:off x="5155920" y="2960280"/>
-            <a:ext cx="4567320" cy="1716840"/>
+            <a:off x="5152680" y="3044520"/>
+            <a:ext cx="4426920" cy="1568520"/>
           </a:xfrm>
           <a:prstGeom prst="rect">
             <a:avLst/>
@@ -7365,7 +7365,7 @@
         <p:txBody>
           <a:bodyPr/>
           <a:p>
-            <a:fld id="{29CEA1F7-CAE5-483F-ACB1-00065719684C}" type="slidenum">
+            <a:fld id="{BD0F8449-FC65-45F8-BC3E-1C30A0BEF57C}" type="slidenum">
               <a:t>&lt;#&gt;</a:t>
             </a:fld>
           </a:p>
@@ -7426,8 +7426,8 @@
         </p:nvSpPr>
         <p:spPr>
           <a:xfrm>
-            <a:off x="360000" y="106200"/>
-            <a:ext cx="9359640" cy="625320"/>
+            <a:off x="504000" y="226080"/>
+            <a:ext cx="9072000" cy="946440"/>
           </a:xfrm>
           <a:prstGeom prst="rect">
             <a:avLst/>
@@ -7463,8 +7463,8 @@
         </p:nvSpPr>
         <p:spPr>
           <a:xfrm>
-            <a:off x="360000" y="1080000"/>
-            <a:ext cx="3013560" cy="1716840"/>
+            <a:off x="504000" y="1326600"/>
+            <a:ext cx="2921040" cy="1568520"/>
           </a:xfrm>
           <a:prstGeom prst="rect">
             <a:avLst/>
@@ -7497,8 +7497,8 @@
         </p:nvSpPr>
         <p:spPr>
           <a:xfrm>
-            <a:off x="3524760" y="1080000"/>
-            <a:ext cx="3013560" cy="1716840"/>
+            <a:off x="3571560" y="1326600"/>
+            <a:ext cx="2921040" cy="1568520"/>
           </a:xfrm>
           <a:prstGeom prst="rect">
             <a:avLst/>
@@ -7531,8 +7531,8 @@
         </p:nvSpPr>
         <p:spPr>
           <a:xfrm>
-            <a:off x="6689160" y="1080000"/>
-            <a:ext cx="3013560" cy="1716840"/>
+            <a:off x="6639120" y="1326600"/>
+            <a:ext cx="2921040" cy="1568520"/>
           </a:xfrm>
           <a:prstGeom prst="rect">
             <a:avLst/>
@@ -7565,8 +7565,8 @@
         </p:nvSpPr>
         <p:spPr>
           <a:xfrm>
-            <a:off x="360000" y="2960280"/>
-            <a:ext cx="3013560" cy="1716840"/>
+            <a:off x="504000" y="3044520"/>
+            <a:ext cx="2921040" cy="1568520"/>
           </a:xfrm>
           <a:prstGeom prst="rect">
             <a:avLst/>
@@ -7599,8 +7599,8 @@
         </p:nvSpPr>
         <p:spPr>
           <a:xfrm>
-            <a:off x="3524760" y="2960280"/>
-            <a:ext cx="3013560" cy="1716840"/>
+            <a:off x="3571560" y="3044520"/>
+            <a:ext cx="2921040" cy="1568520"/>
           </a:xfrm>
           <a:prstGeom prst="rect">
             <a:avLst/>
@@ -7633,8 +7633,8 @@
         </p:nvSpPr>
         <p:spPr>
           <a:xfrm>
-            <a:off x="6689160" y="2960280"/>
-            <a:ext cx="3013560" cy="1716840"/>
+            <a:off x="6639120" y="3044520"/>
+            <a:ext cx="2921040" cy="1568520"/>
           </a:xfrm>
           <a:prstGeom prst="rect">
             <a:avLst/>
@@ -7689,7 +7689,7 @@
         <p:txBody>
           <a:bodyPr/>
           <a:p>
-            <a:fld id="{47853F2A-D62A-4BE0-9625-820656D5E35A}" type="slidenum">
+            <a:fld id="{634E1D4F-4EEE-4D6D-B979-585DDD210373}" type="slidenum">
               <a:t>&lt;#&gt;</a:t>
             </a:fld>
           </a:p>
@@ -7750,8 +7750,8 @@
         </p:nvSpPr>
         <p:spPr>
           <a:xfrm>
-            <a:off x="360000" y="106200"/>
-            <a:ext cx="9359640" cy="625320"/>
+            <a:off x="504000" y="226080"/>
+            <a:ext cx="9072000" cy="946440"/>
           </a:xfrm>
           <a:prstGeom prst="rect">
             <a:avLst/>
@@ -7809,8 +7809,8 @@
         </p:nvSpPr>
         <p:spPr>
           <a:xfrm>
-            <a:off x="360000" y="180000"/>
-            <a:ext cx="9359640" cy="2215800"/>
+            <a:off x="504000" y="226080"/>
+            <a:ext cx="9072000" cy="4388400"/>
           </a:xfrm>
           <a:prstGeom prst="rect">
             <a:avLst/>
@@ -7868,8 +7868,8 @@
         </p:nvSpPr>
         <p:spPr>
           <a:xfrm>
-            <a:off x="360000" y="106200"/>
-            <a:ext cx="9359640" cy="625320"/>
+            <a:off x="504000" y="226080"/>
+            <a:ext cx="9072000" cy="946440"/>
           </a:xfrm>
           <a:prstGeom prst="rect">
             <a:avLst/>
@@ -7905,8 +7905,8 @@
         </p:nvSpPr>
         <p:spPr>
           <a:xfrm>
-            <a:off x="360000" y="1080000"/>
-            <a:ext cx="4567320" cy="1716840"/>
+            <a:off x="504000" y="1326600"/>
+            <a:ext cx="4426920" cy="1568520"/>
           </a:xfrm>
           <a:prstGeom prst="rect">
             <a:avLst/>
@@ -7939,8 +7939,8 @@
         </p:nvSpPr>
         <p:spPr>
           <a:xfrm>
-            <a:off x="5155920" y="1080000"/>
-            <a:ext cx="4567320" cy="3599640"/>
+            <a:off x="5152680" y="1326600"/>
+            <a:ext cx="4426920" cy="3288600"/>
           </a:xfrm>
           <a:prstGeom prst="rect">
             <a:avLst/>
@@ -7973,8 +7973,8 @@
         </p:nvSpPr>
         <p:spPr>
           <a:xfrm>
-            <a:off x="360000" y="2960280"/>
-            <a:ext cx="4567320" cy="1716840"/>
+            <a:off x="504000" y="3044520"/>
+            <a:ext cx="4426920" cy="1568520"/>
           </a:xfrm>
           <a:prstGeom prst="rect">
             <a:avLst/>
@@ -8029,8 +8029,8 @@
         </p:nvSpPr>
         <p:spPr>
           <a:xfrm>
-            <a:off x="360000" y="106200"/>
-            <a:ext cx="9359640" cy="625320"/>
+            <a:off x="504000" y="226080"/>
+            <a:ext cx="9072000" cy="946440"/>
           </a:xfrm>
           <a:prstGeom prst="rect">
             <a:avLst/>
@@ -8066,8 +8066,8 @@
         </p:nvSpPr>
         <p:spPr>
           <a:xfrm>
-            <a:off x="360000" y="1080000"/>
-            <a:ext cx="4567320" cy="3599640"/>
+            <a:off x="504000" y="1326600"/>
+            <a:ext cx="4426920" cy="3288600"/>
           </a:xfrm>
           <a:prstGeom prst="rect">
             <a:avLst/>
@@ -8100,8 +8100,8 @@
         </p:nvSpPr>
         <p:spPr>
           <a:xfrm>
-            <a:off x="5155920" y="1080000"/>
-            <a:ext cx="4567320" cy="1716840"/>
+            <a:off x="5152680" y="1326600"/>
+            <a:ext cx="4426920" cy="1568520"/>
           </a:xfrm>
           <a:prstGeom prst="rect">
             <a:avLst/>
@@ -8134,8 +8134,8 @@
         </p:nvSpPr>
         <p:spPr>
           <a:xfrm>
-            <a:off x="5155920" y="2960280"/>
-            <a:ext cx="4567320" cy="1716840"/>
+            <a:off x="5152680" y="3044520"/>
+            <a:ext cx="4426920" cy="1568520"/>
           </a:xfrm>
           <a:prstGeom prst="rect">
             <a:avLst/>
@@ -8190,8 +8190,8 @@
         </p:nvSpPr>
         <p:spPr>
           <a:xfrm>
-            <a:off x="360000" y="106200"/>
-            <a:ext cx="9359640" cy="625320"/>
+            <a:off x="504000" y="226080"/>
+            <a:ext cx="9072000" cy="946440"/>
           </a:xfrm>
           <a:prstGeom prst="rect">
             <a:avLst/>
@@ -8227,8 +8227,8 @@
         </p:nvSpPr>
         <p:spPr>
           <a:xfrm>
-            <a:off x="360000" y="1080000"/>
-            <a:ext cx="4567320" cy="1716840"/>
+            <a:off x="504000" y="1326600"/>
+            <a:ext cx="4426920" cy="1568520"/>
           </a:xfrm>
           <a:prstGeom prst="rect">
             <a:avLst/>
@@ -8261,8 +8261,8 @@
         </p:nvSpPr>
         <p:spPr>
           <a:xfrm>
-            <a:off x="5155920" y="1080000"/>
-            <a:ext cx="4567320" cy="1716840"/>
+            <a:off x="5152680" y="1326600"/>
+            <a:ext cx="4426920" cy="1568520"/>
           </a:xfrm>
           <a:prstGeom prst="rect">
             <a:avLst/>
@@ -8295,8 +8295,8 @@
         </p:nvSpPr>
         <p:spPr>
           <a:xfrm>
-            <a:off x="360000" y="2960280"/>
-            <a:ext cx="9359640" cy="1716840"/>
+            <a:off x="504000" y="3044520"/>
+            <a:ext cx="9072000" cy="1568520"/>
           </a:xfrm>
           <a:prstGeom prst="rect">
             <a:avLst/>
@@ -8347,8 +8347,8 @@
         </p:nvSpPr>
         <p:spPr>
           <a:xfrm flipH="1" flipV="1">
-            <a:off x="-720" y="4499280"/>
-            <a:ext cx="10079640" cy="1169640"/>
+            <a:off x="-1440" y="4498560"/>
+            <a:ext cx="10078920" cy="1168920"/>
           </a:xfrm>
           <a:prstGeom prst="flowChartDocument">
             <a:avLst/>
@@ -8389,7 +8389,7 @@
         <p:spPr>
           <a:xfrm>
             <a:off x="360000" y="5220000"/>
-            <a:ext cx="2339640" cy="359640"/>
+            <a:ext cx="2338920" cy="358920"/>
           </a:xfrm>
           <a:prstGeom prst="rect">
             <a:avLst/>
@@ -8422,6 +8422,7 @@
                   <a:srgbClr val="ffffff"/>
                 </a:solidFill>
                 <a:latin typeface="Arial"/>
+                <a:ea typeface="DejaVu Sans"/>
               </a:rPr>
               <a:t>&lt;date/time&gt;</a:t>
             </a:r>
@@ -8440,7 +8441,7 @@
         <p:spPr>
           <a:xfrm>
             <a:off x="3420000" y="5220000"/>
-            <a:ext cx="3239640" cy="359640"/>
+            <a:ext cx="3238920" cy="358920"/>
           </a:xfrm>
           <a:prstGeom prst="rect">
             <a:avLst/>
@@ -8473,6 +8474,7 @@
                   <a:srgbClr val="ffffff"/>
                 </a:solidFill>
                 <a:latin typeface="Arial"/>
+                <a:ea typeface="DejaVu Sans"/>
               </a:rPr>
               <a:t>&lt;footer&gt;</a:t>
             </a:r>
@@ -8491,7 +8493,7 @@
         <p:spPr>
           <a:xfrm>
             <a:off x="7380000" y="5220000"/>
-            <a:ext cx="2339640" cy="359640"/>
+            <a:ext cx="2338920" cy="358920"/>
           </a:xfrm>
           <a:prstGeom prst="rect">
             <a:avLst/>
@@ -8518,12 +8520,13 @@
               </a:lnSpc>
               <a:buNone/>
             </a:pPr>
-            <a:fld id="{9E69CFBB-C598-4113-8BA1-932E49D0717D}" type="slidenum">
+            <a:fld id="{E941768C-9043-4CCB-B88F-44224F65F8C8}" type="slidenum">
               <a:rPr b="0" lang="en-IN" sz="1400" spc="-1" strike="noStrike">
                 <a:solidFill>
                   <a:srgbClr val="ffffff"/>
                 </a:solidFill>
                 <a:latin typeface="Arial"/>
+                <a:ea typeface="DejaVu Sans"/>
               </a:rPr>
               <a:t>&lt;number&gt;</a:t>
             </a:fld>
@@ -8545,8 +8548,8 @@
         </p:nvSpPr>
         <p:spPr>
           <a:xfrm>
-            <a:off x="360000" y="180000"/>
-            <a:ext cx="9359640" cy="477720"/>
+            <a:off x="504000" y="226080"/>
+            <a:ext cx="9071640" cy="946080"/>
           </a:xfrm>
           <a:prstGeom prst="rect">
             <a:avLst/>
@@ -8802,7 +8805,7 @@
         <p:spPr>
           <a:xfrm>
             <a:off x="0" y="0"/>
-            <a:ext cx="10076400" cy="719640"/>
+            <a:ext cx="10075680" cy="718920"/>
           </a:xfrm>
           <a:prstGeom prst="rect">
             <a:avLst/>
@@ -8843,7 +8846,7 @@
         <p:spPr>
           <a:xfrm>
             <a:off x="3240" y="5040000"/>
-            <a:ext cx="10076400" cy="631080"/>
+            <a:ext cx="10075680" cy="630360"/>
           </a:xfrm>
           <a:prstGeom prst="rect">
             <a:avLst/>
@@ -8882,13 +8885,186 @@
             <a:spLocks noGrp="1"/>
           </p:cNvSpPr>
           <p:nvPr>
+            <p:ph type="ftr" idx="1"/>
+          </p:nvPr>
+        </p:nvSpPr>
+        <p:spPr>
+          <a:xfrm>
+            <a:off x="3420000" y="5220000"/>
+            <a:ext cx="3238920" cy="358920"/>
+          </a:xfrm>
+          <a:prstGeom prst="rect">
+            <a:avLst/>
+          </a:prstGeom>
+          <a:noFill/>
+          <a:ln w="0">
+            <a:noFill/>
+          </a:ln>
+        </p:spPr>
+        <p:txBody>
+          <a:bodyPr lIns="0" rIns="0" tIns="0" bIns="0" anchor="t">
+            <a:noAutofit/>
+          </a:bodyPr>
+          <a:lstStyle>
+            <a:lvl1pPr algn="ctr">
+              <a:lnSpc>
+                <a:spcPct val="100000"/>
+              </a:lnSpc>
+              <a:buNone/>
+              <a:defRPr b="0" lang="en-IN" sz="1400" spc="-1" strike="noStrike">
+                <a:solidFill>
+                  <a:srgbClr val="ffffff"/>
+                </a:solidFill>
+                <a:latin typeface="Arial"/>
+              </a:defRPr>
+            </a:lvl1pPr>
+          </a:lstStyle>
+          <a:p>
+            <a:pPr algn="ctr">
+              <a:lnSpc>
+                <a:spcPct val="100000"/>
+              </a:lnSpc>
+              <a:buNone/>
+            </a:pPr>
+            <a:r>
+              <a:rPr b="0" lang="en-IN" sz="1400" spc="-1" strike="noStrike">
+                <a:solidFill>
+                  <a:srgbClr val="ffffff"/>
+                </a:solidFill>
+                <a:latin typeface="Arial"/>
+              </a:rPr>
+              <a:t>&lt;footer&gt;</a:t>
+            </a:r>
+            <a:endParaRPr b="0" lang="en-IN" sz="1400" spc="-1" strike="noStrike">
+              <a:latin typeface="Times New Roman"/>
+            </a:endParaRPr>
+          </a:p>
+        </p:txBody>
+      </p:sp>
+      <p:sp>
+        <p:nvSpPr>
+          <p:cNvPr id="45" name="PlaceHolder 2"/>
+          <p:cNvSpPr>
+            <a:spLocks noGrp="1"/>
+          </p:cNvSpPr>
+          <p:nvPr>
+            <p:ph type="sldNum" idx="2"/>
+          </p:nvPr>
+        </p:nvSpPr>
+        <p:spPr>
+          <a:xfrm>
+            <a:off x="7380000" y="5220000"/>
+            <a:ext cx="2338920" cy="358920"/>
+          </a:xfrm>
+          <a:prstGeom prst="rect">
+            <a:avLst/>
+          </a:prstGeom>
+          <a:noFill/>
+          <a:ln w="0">
+            <a:noFill/>
+          </a:ln>
+        </p:spPr>
+        <p:txBody>
+          <a:bodyPr lIns="0" rIns="0" tIns="0" bIns="0" anchor="t">
+            <a:noAutofit/>
+          </a:bodyPr>
+          <a:lstStyle>
+            <a:lvl1pPr algn="r">
+              <a:lnSpc>
+                <a:spcPct val="100000"/>
+              </a:lnSpc>
+              <a:buNone/>
+              <a:defRPr b="0" lang="en-IN" sz="1400" spc="-1" strike="noStrike">
+                <a:solidFill>
+                  <a:srgbClr val="ffffff"/>
+                </a:solidFill>
+                <a:latin typeface="Arial"/>
+              </a:defRPr>
+            </a:lvl1pPr>
+          </a:lstStyle>
+          <a:p>
+            <a:pPr algn="r">
+              <a:lnSpc>
+                <a:spcPct val="100000"/>
+              </a:lnSpc>
+              <a:buNone/>
+            </a:pPr>
+            <a:fld id="{137506DD-D949-4A04-91DD-27A9707DEAE1}" type="slidenum">
+              <a:rPr b="0" lang="en-IN" sz="1400" spc="-1" strike="noStrike">
+                <a:solidFill>
+                  <a:srgbClr val="ffffff"/>
+                </a:solidFill>
+                <a:latin typeface="Arial"/>
+              </a:rPr>
+              <a:t>&lt;number&gt;</a:t>
+            </a:fld>
+            <a:endParaRPr b="0" lang="en-IN" sz="1400" spc="-1" strike="noStrike">
+              <a:latin typeface="Times New Roman"/>
+            </a:endParaRPr>
+          </a:p>
+        </p:txBody>
+      </p:sp>
+      <p:sp>
+        <p:nvSpPr>
+          <p:cNvPr id="46" name="PlaceHolder 3"/>
+          <p:cNvSpPr>
+            <a:spLocks noGrp="1"/>
+          </p:cNvSpPr>
+          <p:nvPr>
+            <p:ph type="dt" idx="3"/>
+          </p:nvPr>
+        </p:nvSpPr>
+        <p:spPr>
+          <a:xfrm>
+            <a:off x="360000" y="5220000"/>
+            <a:ext cx="2338920" cy="358920"/>
+          </a:xfrm>
+          <a:prstGeom prst="rect">
+            <a:avLst/>
+          </a:prstGeom>
+          <a:noFill/>
+          <a:ln w="0">
+            <a:noFill/>
+          </a:ln>
+        </p:spPr>
+        <p:txBody>
+          <a:bodyPr lIns="0" rIns="0" tIns="0" bIns="0" anchor="t">
+            <a:noAutofit/>
+          </a:bodyPr>
+          <a:lstStyle>
+            <a:lvl1pPr>
+              <a:defRPr b="0" lang="en-IN" sz="1400" spc="-1" strike="noStrike">
+                <a:latin typeface="Times New Roman"/>
+              </a:defRPr>
+            </a:lvl1pPr>
+          </a:lstStyle>
+          <a:p>
+            <a:r>
+              <a:rPr b="0" lang="en-IN" sz="1400" spc="-1" strike="noStrike">
+                <a:latin typeface="Times New Roman"/>
+              </a:rPr>
+              <a:t>&lt;date/time&gt;</a:t>
+            </a:r>
+            <a:endParaRPr b="0" lang="en-IN" sz="1400" spc="-1" strike="noStrike">
+              <a:latin typeface="Times New Roman"/>
+            </a:endParaRPr>
+          </a:p>
+        </p:txBody>
+      </p:sp>
+      <p:sp>
+        <p:nvSpPr>
+          <p:cNvPr id="47" name="PlaceHolder 4"/>
+          <p:cNvSpPr>
+            <a:spLocks noGrp="1"/>
+          </p:cNvSpPr>
+          <p:nvPr>
             <p:ph type="title"/>
           </p:nvPr>
         </p:nvSpPr>
         <p:spPr>
           <a:xfrm>
-            <a:off x="360000" y="180000"/>
-            <a:ext cx="9359640" cy="477720"/>
+            <a:off x="504000" y="226080"/>
+            <a:ext cx="9072000" cy="946440"/>
           </a:xfrm>
           <a:prstGeom prst="rect">
             <a:avLst/>
@@ -8903,21 +9079,24 @@
             <a:noAutofit/>
           </a:bodyPr>
           <a:p>
-            <a:r>
-              <a:rPr b="0" lang="en-IN" sz="1800" spc="-1" strike="noStrike">
+            <a:pPr algn="ctr">
+              <a:buNone/>
+            </a:pPr>
+            <a:r>
+              <a:rPr b="0" lang="en-IN" sz="4400" spc="-1" strike="noStrike">
                 <a:latin typeface="Arial"/>
               </a:rPr>
               <a:t>Click to edit the title text format</a:t>
             </a:r>
-            <a:endParaRPr b="0" lang="en-IN" sz="1800" spc="-1" strike="noStrike">
-              <a:latin typeface="Arial"/>
-            </a:endParaRPr>
-          </a:p>
-        </p:txBody>
-      </p:sp>
-      <p:sp>
-        <p:nvSpPr>
-          <p:cNvPr id="45" name="PlaceHolder 2"/>
+            <a:endParaRPr b="0" lang="en-IN" sz="4400" spc="-1" strike="noStrike">
+              <a:latin typeface="Arial"/>
+            </a:endParaRPr>
+          </a:p>
+        </p:txBody>
+      </p:sp>
+      <p:sp>
+        <p:nvSpPr>
+          <p:cNvPr id="48" name="PlaceHolder 5"/>
           <p:cNvSpPr>
             <a:spLocks noGrp="1"/>
           </p:cNvSpPr>
@@ -8927,8 +9106,8 @@
         </p:nvSpPr>
         <p:spPr>
           <a:xfrm>
-            <a:off x="360000" y="1080000"/>
-            <a:ext cx="9359640" cy="3599640"/>
+            <a:off x="504000" y="1326600"/>
+            <a:ext cx="9072000" cy="3288600"/>
           </a:xfrm>
           <a:prstGeom prst="rect">
             <a:avLst/>
@@ -8940,7 +9119,7 @@
         </p:spPr>
         <p:txBody>
           <a:bodyPr lIns="0" rIns="0" tIns="0" bIns="0" anchor="t">
-            <a:noAutofit/>
+            <a:normAutofit/>
           </a:bodyPr>
           <a:p>
             <a:pPr marL="432000" indent="-324000">
@@ -8955,12 +9134,12 @@
               <a:buChar char=""/>
             </a:pPr>
             <a:r>
-              <a:rPr b="0" lang="en-IN" sz="1800" spc="-1" strike="noStrike">
+              <a:rPr b="0" lang="en-IN" sz="3200" spc="-1" strike="noStrike">
                 <a:latin typeface="Arial"/>
               </a:rPr>
               <a:t>Click to edit the outline text format</a:t>
             </a:r>
-            <a:endParaRPr b="0" lang="en-IN" sz="1800" spc="-1" strike="noStrike">
+            <a:endParaRPr b="0" lang="en-IN" sz="3200" spc="-1" strike="noStrike">
               <a:latin typeface="Arial"/>
             </a:endParaRPr>
           </a:p>
@@ -8977,12 +9156,12 @@
               <a:buChar char=""/>
             </a:pPr>
             <a:r>
-              <a:rPr b="0" lang="en-IN" sz="1800" spc="-1" strike="noStrike">
+              <a:rPr b="0" lang="en-IN" sz="2800" spc="-1" strike="noStrike">
                 <a:latin typeface="Arial"/>
               </a:rPr>
               <a:t>Second Outline Level</a:t>
             </a:r>
-            <a:endParaRPr b="0" lang="en-IN" sz="1800" spc="-1" strike="noStrike">
+            <a:endParaRPr b="0" lang="en-IN" sz="2800" spc="-1" strike="noStrike">
               <a:latin typeface="Arial"/>
             </a:endParaRPr>
           </a:p>
@@ -8999,12 +9178,12 @@
               <a:buChar char=""/>
             </a:pPr>
             <a:r>
-              <a:rPr b="0" lang="en-IN" sz="1800" spc="-1" strike="noStrike">
+              <a:rPr b="0" lang="en-IN" sz="2400" spc="-1" strike="noStrike">
                 <a:latin typeface="Arial"/>
               </a:rPr>
               <a:t>Third Outline Level</a:t>
             </a:r>
-            <a:endParaRPr b="0" lang="en-IN" sz="1800" spc="-1" strike="noStrike">
+            <a:endParaRPr b="0" lang="en-IN" sz="2400" spc="-1" strike="noStrike">
               <a:latin typeface="Arial"/>
             </a:endParaRPr>
           </a:p>
@@ -9021,12 +9200,12 @@
               <a:buChar char=""/>
             </a:pPr>
             <a:r>
-              <a:rPr b="0" lang="en-IN" sz="1800" spc="-1" strike="noStrike">
+              <a:rPr b="0" lang="en-IN" sz="2000" spc="-1" strike="noStrike">
                 <a:latin typeface="Arial"/>
               </a:rPr>
               <a:t>Fourth Outline Level</a:t>
             </a:r>
-            <a:endParaRPr b="0" lang="en-IN" sz="1800" spc="-1" strike="noStrike">
+            <a:endParaRPr b="0" lang="en-IN" sz="2000" spc="-1" strike="noStrike">
               <a:latin typeface="Arial"/>
             </a:endParaRPr>
           </a:p>
@@ -9043,12 +9222,12 @@
               <a:buChar char=""/>
             </a:pPr>
             <a:r>
-              <a:rPr b="0" lang="en-IN" sz="1800" spc="-1" strike="noStrike">
+              <a:rPr b="0" lang="en-IN" sz="2000" spc="-1" strike="noStrike">
                 <a:latin typeface="Arial"/>
               </a:rPr>
               <a:t>Fifth Outline Level</a:t>
             </a:r>
-            <a:endParaRPr b="0" lang="en-IN" sz="1800" spc="-1" strike="noStrike">
+            <a:endParaRPr b="0" lang="en-IN" sz="2000" spc="-1" strike="noStrike">
               <a:latin typeface="Arial"/>
             </a:endParaRPr>
           </a:p>
@@ -9065,12 +9244,12 @@
               <a:buChar char=""/>
             </a:pPr>
             <a:r>
-              <a:rPr b="0" lang="en-IN" sz="1800" spc="-1" strike="noStrike">
+              <a:rPr b="0" lang="en-IN" sz="2000" spc="-1" strike="noStrike">
                 <a:latin typeface="Arial"/>
               </a:rPr>
               <a:t>Sixth Outline Level</a:t>
             </a:r>
-            <a:endParaRPr b="0" lang="en-IN" sz="1800" spc="-1" strike="noStrike">
+            <a:endParaRPr b="0" lang="en-IN" sz="2000" spc="-1" strike="noStrike">
               <a:latin typeface="Arial"/>
             </a:endParaRPr>
           </a:p>
@@ -9087,186 +9266,13 @@
               <a:buChar char=""/>
             </a:pPr>
             <a:r>
-              <a:rPr b="0" lang="en-IN" sz="1800" spc="-1" strike="noStrike">
+              <a:rPr b="0" lang="en-IN" sz="2000" spc="-1" strike="noStrike">
                 <a:latin typeface="Arial"/>
               </a:rPr>
               <a:t>Seventh Outline Level</a:t>
             </a:r>
-            <a:endParaRPr b="0" lang="en-IN" sz="1800" spc="-1" strike="noStrike">
-              <a:latin typeface="Arial"/>
-            </a:endParaRPr>
-          </a:p>
-        </p:txBody>
-      </p:sp>
-      <p:sp>
-        <p:nvSpPr>
-          <p:cNvPr id="46" name="PlaceHolder 3"/>
-          <p:cNvSpPr>
-            <a:spLocks noGrp="1"/>
-          </p:cNvSpPr>
-          <p:nvPr>
-            <p:ph type="ftr" idx="1"/>
-          </p:nvPr>
-        </p:nvSpPr>
-        <p:spPr>
-          <a:xfrm>
-            <a:off x="3420000" y="5220000"/>
-            <a:ext cx="3239640" cy="359640"/>
-          </a:xfrm>
-          <a:prstGeom prst="rect">
-            <a:avLst/>
-          </a:prstGeom>
-          <a:noFill/>
-          <a:ln w="0">
-            <a:noFill/>
-          </a:ln>
-        </p:spPr>
-        <p:txBody>
-          <a:bodyPr lIns="0" rIns="0" tIns="0" bIns="0" anchor="t">
-            <a:noAutofit/>
-          </a:bodyPr>
-          <a:lstStyle>
-            <a:lvl1pPr algn="ctr">
-              <a:lnSpc>
-                <a:spcPct val="100000"/>
-              </a:lnSpc>
-              <a:buNone/>
-              <a:defRPr b="0" lang="en-IN" sz="1400" spc="-1" strike="noStrike">
-                <a:solidFill>
-                  <a:srgbClr val="ffffff"/>
-                </a:solidFill>
-                <a:latin typeface="Arial"/>
-              </a:defRPr>
-            </a:lvl1pPr>
-          </a:lstStyle>
-          <a:p>
-            <a:pPr algn="ctr">
-              <a:lnSpc>
-                <a:spcPct val="100000"/>
-              </a:lnSpc>
-              <a:buNone/>
-            </a:pPr>
-            <a:r>
-              <a:rPr b="0" lang="en-IN" sz="1400" spc="-1" strike="noStrike">
-                <a:solidFill>
-                  <a:srgbClr val="ffffff"/>
-                </a:solidFill>
-                <a:latin typeface="Arial"/>
-              </a:rPr>
-              <a:t>&lt;footer&gt;</a:t>
-            </a:r>
-            <a:endParaRPr b="0" lang="en-IN" sz="1400" spc="-1" strike="noStrike">
-              <a:latin typeface="Times New Roman"/>
-            </a:endParaRPr>
-          </a:p>
-        </p:txBody>
-      </p:sp>
-      <p:sp>
-        <p:nvSpPr>
-          <p:cNvPr id="47" name="PlaceHolder 4"/>
-          <p:cNvSpPr>
-            <a:spLocks noGrp="1"/>
-          </p:cNvSpPr>
-          <p:nvPr>
-            <p:ph type="sldNum" idx="2"/>
-          </p:nvPr>
-        </p:nvSpPr>
-        <p:spPr>
-          <a:xfrm>
-            <a:off x="7380000" y="5220000"/>
-            <a:ext cx="2339640" cy="359640"/>
-          </a:xfrm>
-          <a:prstGeom prst="rect">
-            <a:avLst/>
-          </a:prstGeom>
-          <a:noFill/>
-          <a:ln w="0">
-            <a:noFill/>
-          </a:ln>
-        </p:spPr>
-        <p:txBody>
-          <a:bodyPr lIns="0" rIns="0" tIns="0" bIns="0" anchor="t">
-            <a:noAutofit/>
-          </a:bodyPr>
-          <a:lstStyle>
-            <a:lvl1pPr algn="r">
-              <a:lnSpc>
-                <a:spcPct val="100000"/>
-              </a:lnSpc>
-              <a:buNone/>
-              <a:defRPr b="0" lang="en-IN" sz="1400" spc="-1" strike="noStrike">
-                <a:solidFill>
-                  <a:srgbClr val="ffffff"/>
-                </a:solidFill>
-                <a:latin typeface="Arial"/>
-              </a:defRPr>
-            </a:lvl1pPr>
-          </a:lstStyle>
-          <a:p>
-            <a:pPr algn="r">
-              <a:lnSpc>
-                <a:spcPct val="100000"/>
-              </a:lnSpc>
-              <a:buNone/>
-            </a:pPr>
-            <a:fld id="{736E2F4E-2D2F-4459-9241-586D9B2C56AE}" type="slidenum">
-              <a:rPr b="0" lang="en-IN" sz="1400" spc="-1" strike="noStrike">
-                <a:solidFill>
-                  <a:srgbClr val="ffffff"/>
-                </a:solidFill>
-                <a:latin typeface="Arial"/>
-              </a:rPr>
-              <a:t>&lt;number&gt;</a:t>
-            </a:fld>
-            <a:endParaRPr b="0" lang="en-IN" sz="1400" spc="-1" strike="noStrike">
-              <a:latin typeface="Times New Roman"/>
-            </a:endParaRPr>
-          </a:p>
-        </p:txBody>
-      </p:sp>
-      <p:sp>
-        <p:nvSpPr>
-          <p:cNvPr id="48" name="PlaceHolder 5"/>
-          <p:cNvSpPr>
-            <a:spLocks noGrp="1"/>
-          </p:cNvSpPr>
-          <p:nvPr>
-            <p:ph type="dt" idx="3"/>
-          </p:nvPr>
-        </p:nvSpPr>
-        <p:spPr>
-          <a:xfrm>
-            <a:off x="360000" y="5220000"/>
-            <a:ext cx="2339640" cy="359640"/>
-          </a:xfrm>
-          <a:prstGeom prst="rect">
-            <a:avLst/>
-          </a:prstGeom>
-          <a:noFill/>
-          <a:ln w="0">
-            <a:noFill/>
-          </a:ln>
-        </p:spPr>
-        <p:txBody>
-          <a:bodyPr lIns="0" rIns="0" tIns="0" bIns="0" anchor="t">
-            <a:noAutofit/>
-          </a:bodyPr>
-          <a:lstStyle>
-            <a:lvl1pPr>
-              <a:defRPr b="0" lang="en-IN" sz="1400" spc="-1" strike="noStrike">
-                <a:latin typeface="Times New Roman"/>
-              </a:defRPr>
-            </a:lvl1pPr>
-          </a:lstStyle>
-          <a:p>
-            <a:r>
-              <a:rPr b="0" lang="en-IN" sz="1400" spc="-1" strike="noStrike">
-                <a:latin typeface="Times New Roman"/>
-              </a:rPr>
-              <a:t>&lt;date/time&gt;</a:t>
-            </a:r>
-            <a:endParaRPr b="0" lang="en-IN" sz="1400" spc="-1" strike="noStrike">
-              <a:latin typeface="Times New Roman"/>
+            <a:endParaRPr b="0" lang="en-IN" sz="2000" spc="-1" strike="noStrike">
+              <a:latin typeface="Arial"/>
             </a:endParaRPr>
           </a:p>
         </p:txBody>
@@ -9317,7 +9323,7 @@
         <p:spPr>
           <a:xfrm>
             <a:off x="0" y="0"/>
-            <a:ext cx="10076400" cy="719640"/>
+            <a:ext cx="10075680" cy="718920"/>
           </a:xfrm>
           <a:prstGeom prst="rect">
             <a:avLst/>
@@ -9358,7 +9364,7 @@
         <p:spPr>
           <a:xfrm>
             <a:off x="3240" y="5040000"/>
-            <a:ext cx="10076400" cy="631080"/>
+            <a:ext cx="10075680" cy="630360"/>
           </a:xfrm>
           <a:prstGeom prst="rect">
             <a:avLst/>
@@ -9402,8 +9408,8 @@
         </p:nvSpPr>
         <p:spPr>
           <a:xfrm>
-            <a:off x="360000" y="180000"/>
-            <a:ext cx="9359640" cy="477720"/>
+            <a:off x="504000" y="226080"/>
+            <a:ext cx="9071640" cy="946080"/>
           </a:xfrm>
           <a:prstGeom prst="rect">
             <a:avLst/>
@@ -9442,8 +9448,8 @@
         </p:nvSpPr>
         <p:spPr>
           <a:xfrm>
-            <a:off x="360000" y="1080000"/>
-            <a:ext cx="4566960" cy="3599640"/>
+            <a:off x="504000" y="1326600"/>
+            <a:ext cx="4426560" cy="3288240"/>
           </a:xfrm>
           <a:prstGeom prst="rect">
             <a:avLst/>
@@ -9455,7 +9461,7 @@
         </p:spPr>
         <p:txBody>
           <a:bodyPr lIns="0" rIns="0" tIns="0" bIns="0" anchor="t">
-            <a:noAutofit/>
+            <a:normAutofit/>
           </a:bodyPr>
           <a:p>
             <a:pPr marL="432000" indent="-324000">
@@ -9625,8 +9631,8 @@
         </p:nvSpPr>
         <p:spPr>
           <a:xfrm>
-            <a:off x="5155920" y="1080000"/>
-            <a:ext cx="4566960" cy="3599640"/>
+            <a:off x="5152680" y="1326600"/>
+            <a:ext cx="4426560" cy="3288240"/>
           </a:xfrm>
           <a:prstGeom prst="rect">
             <a:avLst/>
@@ -9638,7 +9644,7 @@
         </p:spPr>
         <p:txBody>
           <a:bodyPr lIns="0" rIns="0" tIns="0" bIns="0" anchor="t">
-            <a:noAutofit/>
+            <a:normAutofit/>
           </a:bodyPr>
           <a:p>
             <a:pPr marL="432000" indent="-324000">
@@ -9809,7 +9815,7 @@
         <p:spPr>
           <a:xfrm>
             <a:off x="3420000" y="5220000"/>
-            <a:ext cx="3239640" cy="359640"/>
+            <a:ext cx="3238920" cy="358920"/>
           </a:xfrm>
           <a:prstGeom prst="rect">
             <a:avLst/>
@@ -9872,7 +9878,7 @@
         <p:spPr>
           <a:xfrm>
             <a:off x="7380000" y="5220000"/>
-            <a:ext cx="2339640" cy="359640"/>
+            <a:ext cx="2338920" cy="358920"/>
           </a:xfrm>
           <a:prstGeom prst="rect">
             <a:avLst/>
@@ -9907,7 +9913,7 @@
               </a:lnSpc>
               <a:buNone/>
             </a:pPr>
-            <a:fld id="{83D4E357-C5FD-4D2A-A299-6E24FA63A952}" type="slidenum">
+            <a:fld id="{764D5D83-3C62-408E-8444-56ADB36915D9}" type="slidenum">
               <a:rPr b="0" lang="en-IN" sz="1400" spc="-1" strike="noStrike">
                 <a:solidFill>
                   <a:srgbClr val="ffffff"/>
@@ -9935,7 +9941,7 @@
         <p:spPr>
           <a:xfrm>
             <a:off x="360000" y="5220000"/>
-            <a:ext cx="2339640" cy="359640"/>
+            <a:ext cx="2338920" cy="358920"/>
           </a:xfrm>
           <a:prstGeom prst="rect">
             <a:avLst/>
@@ -10015,7 +10021,7 @@
         <p:spPr>
           <a:xfrm>
             <a:off x="0" y="0"/>
-            <a:ext cx="10076400" cy="719640"/>
+            <a:ext cx="10075680" cy="718920"/>
           </a:xfrm>
           <a:prstGeom prst="rect">
             <a:avLst/>
@@ -10056,7 +10062,7 @@
         <p:spPr>
           <a:xfrm>
             <a:off x="3240" y="5040000"/>
-            <a:ext cx="10076400" cy="631080"/>
+            <a:ext cx="10075680" cy="630360"/>
           </a:xfrm>
           <a:prstGeom prst="rect">
             <a:avLst/>
@@ -10095,53 +10101,13 @@
             <a:spLocks noGrp="1"/>
           </p:cNvSpPr>
           <p:nvPr>
-            <p:ph type="title"/>
-          </p:nvPr>
-        </p:nvSpPr>
-        <p:spPr>
-          <a:xfrm>
-            <a:off x="360000" y="180000"/>
-            <a:ext cx="9359640" cy="477720"/>
-          </a:xfrm>
-          <a:prstGeom prst="rect">
-            <a:avLst/>
-          </a:prstGeom>
-          <a:noFill/>
-          <a:ln w="0">
-            <a:noFill/>
-          </a:ln>
-        </p:spPr>
-        <p:txBody>
-          <a:bodyPr lIns="0" rIns="0" tIns="0" bIns="0" anchor="ctr">
-            <a:noAutofit/>
-          </a:bodyPr>
-          <a:p>
-            <a:r>
-              <a:rPr b="0" lang="en-IN" sz="1800" spc="-1" strike="noStrike">
-                <a:latin typeface="Arial"/>
-              </a:rPr>
-              <a:t>Click to edit the title text format</a:t>
-            </a:r>
-            <a:endParaRPr b="0" lang="en-IN" sz="1800" spc="-1" strike="noStrike">
-              <a:latin typeface="Arial"/>
-            </a:endParaRPr>
-          </a:p>
-        </p:txBody>
-      </p:sp>
-      <p:sp>
-        <p:nvSpPr>
-          <p:cNvPr id="132" name="PlaceHolder 2"/>
-          <p:cNvSpPr>
-            <a:spLocks noGrp="1"/>
-          </p:cNvSpPr>
-          <p:nvPr>
             <p:ph type="ftr" idx="7"/>
           </p:nvPr>
         </p:nvSpPr>
         <p:spPr>
           <a:xfrm>
             <a:off x="3420000" y="5220000"/>
-            <a:ext cx="3239640" cy="359640"/>
+            <a:ext cx="3238920" cy="358920"/>
           </a:xfrm>
           <a:prstGeom prst="rect">
             <a:avLst/>
@@ -10193,7 +10159,7 @@
       </p:sp>
       <p:sp>
         <p:nvSpPr>
-          <p:cNvPr id="133" name="PlaceHolder 3"/>
+          <p:cNvPr id="132" name="PlaceHolder 2"/>
           <p:cNvSpPr>
             <a:spLocks noGrp="1"/>
           </p:cNvSpPr>
@@ -10204,7 +10170,7 @@
         <p:spPr>
           <a:xfrm>
             <a:off x="7380000" y="5220000"/>
-            <a:ext cx="2339640" cy="359640"/>
+            <a:ext cx="2338920" cy="358920"/>
           </a:xfrm>
           <a:prstGeom prst="rect">
             <a:avLst/>
@@ -10239,7 +10205,7 @@
               </a:lnSpc>
               <a:buNone/>
             </a:pPr>
-            <a:fld id="{F4AFCF64-34A2-4C98-AB22-64DF045E9931}" type="slidenum">
+            <a:fld id="{20133A9B-47A0-4058-86AD-6E6F6683CBDF}" type="slidenum">
               <a:rPr b="0" lang="en-IN" sz="1400" spc="-1" strike="noStrike">
                 <a:solidFill>
                   <a:srgbClr val="ffffff"/>
@@ -10256,7 +10222,7 @@
       </p:sp>
       <p:sp>
         <p:nvSpPr>
-          <p:cNvPr id="134" name="PlaceHolder 4"/>
+          <p:cNvPr id="133" name="PlaceHolder 3"/>
           <p:cNvSpPr>
             <a:spLocks noGrp="1"/>
           </p:cNvSpPr>
@@ -10267,7 +10233,7 @@
         <p:spPr>
           <a:xfrm>
             <a:off x="360000" y="5220000"/>
-            <a:ext cx="2339640" cy="359640"/>
+            <a:ext cx="2338920" cy="358920"/>
           </a:xfrm>
           <a:prstGeom prst="rect">
             <a:avLst/>
@@ -10297,6 +10263,49 @@
             </a:r>
             <a:endParaRPr b="0" lang="en-IN" sz="1400" spc="-1" strike="noStrike">
               <a:latin typeface="Times New Roman"/>
+            </a:endParaRPr>
+          </a:p>
+        </p:txBody>
+      </p:sp>
+      <p:sp>
+        <p:nvSpPr>
+          <p:cNvPr id="134" name="PlaceHolder 4"/>
+          <p:cNvSpPr>
+            <a:spLocks noGrp="1"/>
+          </p:cNvSpPr>
+          <p:nvPr>
+            <p:ph type="title"/>
+          </p:nvPr>
+        </p:nvSpPr>
+        <p:spPr>
+          <a:xfrm>
+            <a:off x="504000" y="226080"/>
+            <a:ext cx="9072000" cy="946440"/>
+          </a:xfrm>
+          <a:prstGeom prst="rect">
+            <a:avLst/>
+          </a:prstGeom>
+          <a:noFill/>
+          <a:ln w="0">
+            <a:noFill/>
+          </a:ln>
+        </p:spPr>
+        <p:txBody>
+          <a:bodyPr lIns="0" rIns="0" tIns="0" bIns="0" anchor="ctr">
+            <a:noAutofit/>
+          </a:bodyPr>
+          <a:p>
+            <a:pPr algn="ctr">
+              <a:buNone/>
+            </a:pPr>
+            <a:r>
+              <a:rPr b="0" lang="en-IN" sz="4400" spc="-1" strike="noStrike">
+                <a:latin typeface="Arial"/>
+              </a:rPr>
+              <a:t>Click to edit the title text format</a:t>
+            </a:r>
+            <a:endParaRPr b="0" lang="en-IN" sz="4400" spc="-1" strike="noStrike">
+              <a:latin typeface="Arial"/>
             </a:endParaRPr>
           </a:p>
         </p:txBody>
@@ -10534,7 +10543,7 @@
         <p:spPr>
           <a:xfrm>
             <a:off x="0" y="1620000"/>
-            <a:ext cx="8999640" cy="1079640"/>
+            <a:ext cx="8998920" cy="1078920"/>
           </a:xfrm>
           <a:prstGeom prst="rect">
             <a:avLst/>
@@ -10613,7 +10622,7 @@
         <p:spPr>
           <a:xfrm>
             <a:off x="360000" y="180000"/>
-            <a:ext cx="9359640" cy="477720"/>
+            <a:ext cx="9358920" cy="477000"/>
           </a:xfrm>
           <a:prstGeom prst="rect">
             <a:avLst/>
@@ -10662,7 +10671,7 @@
         <p:spPr>
           <a:xfrm>
             <a:off x="360000" y="1080000"/>
-            <a:ext cx="4566960" cy="3599640"/>
+            <a:ext cx="4566240" cy="3598920"/>
           </a:xfrm>
           <a:prstGeom prst="rect">
             <a:avLst/>
@@ -10775,7 +10784,7 @@
         <p:spPr>
           <a:xfrm>
             <a:off x="5155920" y="1080000"/>
-            <a:ext cx="4566960" cy="3599640"/>
+            <a:ext cx="4566240" cy="3598920"/>
           </a:xfrm>
           <a:prstGeom prst="rect">
             <a:avLst/>
@@ -10861,7 +10870,7 @@
         <p:txBody>
           <a:bodyPr/>
           <a:p>
-            <a:fld id="{BFBD951A-D9BB-4239-BA37-6287FAFFC62B}" type="slidenum">
+            <a:fld id="{8D073515-7E5A-449A-9F02-ECB6FA563758}" type="slidenum">
               <a:t>10</a:t>
             </a:fld>
           </a:p>
@@ -10881,9 +10890,9 @@
         <p:txBody>
           <a:bodyPr/>
           <a:p>
-            <a:fld id="{300D3EC1-26BD-4E34-B68E-8AC8F0FE0EA8}" type="datetime1">
+            <a:fld id="{4EB2BFBF-F28A-4DE9-B40E-C8F2C6A161FA}" type="datetime1">
               <a:rPr lang="en-IN"/>
-              <a:t>31/12/2022</a:t>
+              <a:t>05/09/2023</a:t>
             </a:fld>
           </a:p>
         </p:txBody>
@@ -10931,7 +10940,7 @@
         <p:spPr>
           <a:xfrm>
             <a:off x="360000" y="180000"/>
-            <a:ext cx="9359640" cy="477720"/>
+            <a:ext cx="9358920" cy="477000"/>
           </a:xfrm>
           <a:prstGeom prst="rect">
             <a:avLst/>
@@ -10968,7 +10977,7 @@
         <p:spPr>
           <a:xfrm>
             <a:off x="360000" y="1080000"/>
-            <a:ext cx="9359640" cy="3599640"/>
+            <a:ext cx="9358920" cy="3598920"/>
           </a:xfrm>
           <a:prstGeom prst="rect">
             <a:avLst/>
@@ -11018,7 +11027,7 @@
         <p:txBody>
           <a:bodyPr/>
           <a:p>
-            <a:fld id="{63272B34-571D-47D1-8F8D-D13FC837E780}" type="slidenum">
+            <a:fld id="{7B3406BE-0DC6-430C-83F2-373AC48B3F81}" type="slidenum">
               <a:t>11</a:t>
             </a:fld>
           </a:p>
@@ -11038,9 +11047,9 @@
         <p:txBody>
           <a:bodyPr/>
           <a:p>
-            <a:fld id="{12C9431E-6B35-421E-B4D6-E8D9AAED82F8}" type="datetime1">
+            <a:fld id="{5FC0ABB6-4040-4429-B4D0-8F0E4D07EA59}" type="datetime1">
               <a:rPr lang="en-IN"/>
-              <a:t>31/12/2022</a:t>
+              <a:t>05/09/2023</a:t>
             </a:fld>
           </a:p>
         </p:txBody>
@@ -11088,7 +11097,7 @@
         <p:spPr>
           <a:xfrm>
             <a:off x="360000" y="180000"/>
-            <a:ext cx="9359640" cy="477720"/>
+            <a:ext cx="9358920" cy="477000"/>
           </a:xfrm>
           <a:prstGeom prst="rect">
             <a:avLst/>
@@ -11137,7 +11146,7 @@
         <p:spPr>
           <a:xfrm>
             <a:off x="360000" y="900000"/>
-            <a:ext cx="9359640" cy="3779640"/>
+            <a:ext cx="9358920" cy="3778920"/>
           </a:xfrm>
           <a:prstGeom prst="rect">
             <a:avLst/>
@@ -11372,7 +11381,7 @@
         <p:txBody>
           <a:bodyPr/>
           <a:p>
-            <a:fld id="{06FC0D4B-2FB7-4694-8D78-0AC8F36345CD}" type="slidenum">
+            <a:fld id="{EC2463CB-3518-4CD0-A6A9-19F212D28D0B}" type="slidenum">
               <a:t>12</a:t>
             </a:fld>
           </a:p>
@@ -11392,9 +11401,9 @@
         <p:txBody>
           <a:bodyPr/>
           <a:p>
-            <a:fld id="{1646DA5F-DF58-46CD-AC36-D0F26C1A332C}" type="datetime1">
+            <a:fld id="{B9369EF9-DFBD-4550-A7E3-1BCF57D4A0CA}" type="datetime1">
               <a:rPr lang="en-IN"/>
-              <a:t>31/12/2022</a:t>
+              <a:t>05/09/2023</a:t>
             </a:fld>
           </a:p>
         </p:txBody>
@@ -11442,7 +11451,7 @@
         <p:spPr>
           <a:xfrm>
             <a:off x="360000" y="180000"/>
-            <a:ext cx="9359640" cy="477720"/>
+            <a:ext cx="9358920" cy="477000"/>
           </a:xfrm>
           <a:prstGeom prst="rect">
             <a:avLst/>
@@ -11499,7 +11508,7 @@
         <p:spPr>
           <a:xfrm>
             <a:off x="360000" y="720000"/>
-            <a:ext cx="9359640" cy="4319640"/>
+            <a:ext cx="9358920" cy="4318920"/>
           </a:xfrm>
           <a:prstGeom prst="rect">
             <a:avLst/>
@@ -11753,7 +11762,7 @@
         <p:txBody>
           <a:bodyPr/>
           <a:p>
-            <a:fld id="{CDFDE5B0-425E-4B49-BDFE-94C386BD8EC0}" type="slidenum">
+            <a:fld id="{1B4EBD2D-CABD-4F9B-B13C-20A0803D6908}" type="slidenum">
               <a:t>13</a:t>
             </a:fld>
           </a:p>
@@ -11773,9 +11782,9 @@
         <p:txBody>
           <a:bodyPr/>
           <a:p>
-            <a:fld id="{F8743588-D7EA-4DF7-A2C0-EEA44CA6AD2B}" type="datetime1">
+            <a:fld id="{9A332656-2F48-41D7-A4B4-C219315B28B6}" type="datetime1">
               <a:rPr lang="en-IN"/>
-              <a:t>31/12/2022</a:t>
+              <a:t>05/09/2023</a:t>
             </a:fld>
           </a:p>
         </p:txBody>
@@ -11823,7 +11832,7 @@
         <p:spPr>
           <a:xfrm>
             <a:off x="360000" y="180000"/>
-            <a:ext cx="9359640" cy="477720"/>
+            <a:ext cx="9358920" cy="477000"/>
           </a:xfrm>
           <a:prstGeom prst="rect">
             <a:avLst/>
@@ -11860,7 +11869,7 @@
         <p:spPr>
           <a:xfrm>
             <a:off x="360000" y="1080000"/>
-            <a:ext cx="9359640" cy="3599640"/>
+            <a:ext cx="9358920" cy="3598920"/>
           </a:xfrm>
           <a:prstGeom prst="rect">
             <a:avLst/>
@@ -12044,7 +12053,7 @@
         <p:txBody>
           <a:bodyPr/>
           <a:p>
-            <a:fld id="{AB400C30-34C8-4195-BCD0-ADE435237096}" type="slidenum">
+            <a:fld id="{FCE6FAEB-9E03-4425-B829-B7F474F47A30}" type="slidenum">
               <a:t>14</a:t>
             </a:fld>
           </a:p>
@@ -12064,9 +12073,9 @@
         <p:txBody>
           <a:bodyPr/>
           <a:p>
-            <a:fld id="{92288A4A-D552-49D4-96C7-9BAD966D6AE7}" type="datetime1">
+            <a:fld id="{84D4E95C-7ECA-4936-BD32-9CBBE3431037}" type="datetime1">
               <a:rPr lang="en-IN"/>
-              <a:t>31/12/2022</a:t>
+              <a:t>05/09/2023</a:t>
             </a:fld>
           </a:p>
         </p:txBody>
@@ -12114,7 +12123,7 @@
         <p:spPr>
           <a:xfrm>
             <a:off x="360000" y="180000"/>
-            <a:ext cx="9359640" cy="477720"/>
+            <a:ext cx="9358920" cy="477000"/>
           </a:xfrm>
           <a:prstGeom prst="rect">
             <a:avLst/>
@@ -12163,7 +12172,7 @@
         <p:spPr>
           <a:xfrm>
             <a:off x="360000" y="720000"/>
-            <a:ext cx="9359640" cy="3959640"/>
+            <a:ext cx="9358920" cy="3958920"/>
           </a:xfrm>
           <a:prstGeom prst="rect">
             <a:avLst/>
@@ -12487,7 +12496,7 @@
         <p:txBody>
           <a:bodyPr/>
           <a:p>
-            <a:fld id="{87735049-A679-4AC5-9382-3428B4A7D9D1}" type="slidenum">
+            <a:fld id="{28936375-16A9-48F4-B5B5-86DA86DC2E4A}" type="slidenum">
               <a:t>15</a:t>
             </a:fld>
           </a:p>
@@ -12507,9 +12516,9 @@
         <p:txBody>
           <a:bodyPr/>
           <a:p>
-            <a:fld id="{C8A77737-C062-4C4F-B06C-07C1C9C781D0}" type="datetime1">
+            <a:fld id="{C5FDE605-03A1-452C-A3B6-300E2603E3BF}" type="datetime1">
               <a:rPr lang="en-IN"/>
-              <a:t>31/12/2022</a:t>
+              <a:t>05/09/2023</a:t>
             </a:fld>
           </a:p>
         </p:txBody>
@@ -12557,7 +12566,7 @@
         <p:spPr>
           <a:xfrm>
             <a:off x="360000" y="180000"/>
-            <a:ext cx="9359640" cy="477720"/>
+            <a:ext cx="9358920" cy="477000"/>
           </a:xfrm>
           <a:prstGeom prst="rect">
             <a:avLst/>
@@ -12614,7 +12623,7 @@
         <p:spPr>
           <a:xfrm>
             <a:off x="360000" y="720000"/>
-            <a:ext cx="9359640" cy="4319640"/>
+            <a:ext cx="9358920" cy="4318920"/>
           </a:xfrm>
           <a:prstGeom prst="rect">
             <a:avLst/>
@@ -12918,7 +12927,7 @@
         <p:txBody>
           <a:bodyPr/>
           <a:p>
-            <a:fld id="{79B97AB4-F5C3-424F-8818-A935F7509653}" type="slidenum">
+            <a:fld id="{D1D849FD-5FC3-4F14-8481-F8DC7F4F5703}" type="slidenum">
               <a:t>16</a:t>
             </a:fld>
           </a:p>
@@ -12938,9 +12947,9 @@
         <p:txBody>
           <a:bodyPr/>
           <a:p>
-            <a:fld id="{0B70E925-F4AE-40C1-9502-B20D0955573A}" type="datetime1">
+            <a:fld id="{205F0E45-1980-48E9-A03F-9184399867A0}" type="datetime1">
               <a:rPr lang="en-IN"/>
-              <a:t>31/12/2022</a:t>
+              <a:t>05/09/2023</a:t>
             </a:fld>
           </a:p>
         </p:txBody>
@@ -12988,7 +12997,7 @@
         <p:spPr>
           <a:xfrm>
             <a:off x="360000" y="180000"/>
-            <a:ext cx="9359640" cy="477720"/>
+            <a:ext cx="9358920" cy="477000"/>
           </a:xfrm>
           <a:prstGeom prst="rect">
             <a:avLst/>
@@ -13037,7 +13046,7 @@
         <p:spPr>
           <a:xfrm>
             <a:off x="360000" y="720000"/>
-            <a:ext cx="9359640" cy="4319640"/>
+            <a:ext cx="9358920" cy="4318920"/>
           </a:xfrm>
           <a:prstGeom prst="rect">
             <a:avLst/>
@@ -13108,20 +13117,6 @@
             </a:endParaRPr>
           </a:p>
           <a:p>
-            <a:pPr>
-              <a:lnSpc>
-                <a:spcPct val="100000"/>
-              </a:lnSpc>
-              <a:spcBef>
-                <a:spcPts val="1060"/>
-              </a:spcBef>
-              <a:buNone/>
-            </a:pPr>
-            <a:endParaRPr b="0" lang="en-IN" sz="2400" spc="-1" strike="noStrike">
-              <a:latin typeface="Arial"/>
-            </a:endParaRPr>
-          </a:p>
-          <a:p>
             <a:pPr lvl="1" marL="864000" indent="-324000">
               <a:lnSpc>
                 <a:spcPct val="100000"/>
@@ -13221,7 +13216,7 @@
         <p:txBody>
           <a:bodyPr/>
           <a:p>
-            <a:fld id="{C1885801-B75B-4113-94C6-5D3B98557C44}" type="slidenum">
+            <a:fld id="{F0909584-4455-46B1-B20C-79EEF2B96370}" type="slidenum">
               <a:t>2</a:t>
             </a:fld>
           </a:p>
@@ -13241,9 +13236,9 @@
         <p:txBody>
           <a:bodyPr/>
           <a:p>
-            <a:fld id="{EB36C8D5-09BE-4911-A7C8-90A931D63AC0}" type="datetime1">
+            <a:fld id="{71C07CDD-57C9-42A4-A967-06B84872E25B}" type="datetime1">
               <a:rPr lang="en-IN"/>
-              <a:t>31/12/2022</a:t>
+              <a:t>05/09/2023</a:t>
             </a:fld>
           </a:p>
         </p:txBody>
@@ -13291,7 +13286,7 @@
         <p:spPr>
           <a:xfrm>
             <a:off x="360000" y="180000"/>
-            <a:ext cx="9359640" cy="477720"/>
+            <a:ext cx="9358920" cy="477000"/>
           </a:xfrm>
           <a:prstGeom prst="rect">
             <a:avLst/>
@@ -13328,7 +13323,7 @@
         <p:spPr>
           <a:xfrm>
             <a:off x="360000" y="1080000"/>
-            <a:ext cx="9359640" cy="3599640"/>
+            <a:ext cx="9358920" cy="3598920"/>
           </a:xfrm>
           <a:prstGeom prst="rect">
             <a:avLst/>
@@ -13498,7 +13493,7 @@
         <p:txBody>
           <a:bodyPr/>
           <a:p>
-            <a:fld id="{3C65155A-99BE-4B21-B8FE-A10152CB3AB5}" type="slidenum">
+            <a:fld id="{481A1269-B09C-4066-95E1-718A9AA05101}" type="slidenum">
               <a:t>3</a:t>
             </a:fld>
           </a:p>
@@ -13518,9 +13513,9 @@
         <p:txBody>
           <a:bodyPr/>
           <a:p>
-            <a:fld id="{312D48B7-90EF-434B-B97E-74E55A130069}" type="datetime1">
+            <a:fld id="{77687118-7EFE-4E41-977B-C03997115EA0}" type="datetime1">
               <a:rPr lang="en-IN"/>
-              <a:t>31/12/2022</a:t>
+              <a:t>05/09/2023</a:t>
             </a:fld>
           </a:p>
         </p:txBody>
@@ -13568,7 +13563,7 @@
         <p:spPr>
           <a:xfrm>
             <a:off x="360000" y="180000"/>
-            <a:ext cx="9359640" cy="477720"/>
+            <a:ext cx="9358920" cy="477000"/>
           </a:xfrm>
           <a:prstGeom prst="rect">
             <a:avLst/>
@@ -13625,7 +13620,7 @@
         <p:spPr>
           <a:xfrm>
             <a:off x="360000" y="720000"/>
-            <a:ext cx="9359640" cy="4319640"/>
+            <a:ext cx="9358920" cy="4318920"/>
           </a:xfrm>
           <a:prstGeom prst="rect">
             <a:avLst/>
@@ -13935,7 +13930,7 @@
         <p:txBody>
           <a:bodyPr/>
           <a:p>
-            <a:fld id="{4DFFCAE2-F415-4CB1-AAE8-B8CDC9B03D73}" type="slidenum">
+            <a:fld id="{E7C90CDE-C244-4148-A3AC-04D7CED2A504}" type="slidenum">
               <a:t>4</a:t>
             </a:fld>
           </a:p>
@@ -13955,9 +13950,9 @@
         <p:txBody>
           <a:bodyPr/>
           <a:p>
-            <a:fld id="{333596DC-66EA-4548-8970-8B7E309F02BD}" type="datetime1">
+            <a:fld id="{78DBC7C3-48D8-49A3-A8F7-1010FCE76517}" type="datetime1">
               <a:rPr lang="en-IN"/>
-              <a:t>31/12/2022</a:t>
+              <a:t>05/09/2023</a:t>
             </a:fld>
           </a:p>
         </p:txBody>
@@ -14005,7 +14000,7 @@
         <p:spPr>
           <a:xfrm>
             <a:off x="360000" y="180000"/>
-            <a:ext cx="9359640" cy="477720"/>
+            <a:ext cx="9358920" cy="477000"/>
           </a:xfrm>
           <a:prstGeom prst="rect">
             <a:avLst/>
@@ -14054,7 +14049,7 @@
         <p:spPr>
           <a:xfrm>
             <a:off x="360000" y="720000"/>
-            <a:ext cx="9359640" cy="3959640"/>
+            <a:ext cx="9358920" cy="3958920"/>
           </a:xfrm>
           <a:prstGeom prst="rect">
             <a:avLst/>
@@ -14214,7 +14209,7 @@
         <p:txBody>
           <a:bodyPr/>
           <a:p>
-            <a:fld id="{EAF3A6D2-F07E-427C-AE9D-D2C120466E64}" type="slidenum">
+            <a:fld id="{DA99BCB5-CE19-4BF6-8690-DADE6286810E}" type="slidenum">
               <a:t>5</a:t>
             </a:fld>
           </a:p>
@@ -14234,9 +14229,9 @@
         <p:txBody>
           <a:bodyPr/>
           <a:p>
-            <a:fld id="{35804702-3133-423A-8B77-312BBEA2A1DB}" type="datetime1">
+            <a:fld id="{E8055388-6462-4EE9-A7E6-7474CE76BE79}" type="datetime1">
               <a:rPr lang="en-IN"/>
-              <a:t>31/12/2022</a:t>
+              <a:t>05/09/2023</a:t>
             </a:fld>
           </a:p>
         </p:txBody>
@@ -14284,7 +14279,7 @@
         <p:spPr>
           <a:xfrm>
             <a:off x="360000" y="180000"/>
-            <a:ext cx="9359640" cy="477720"/>
+            <a:ext cx="9358920" cy="477000"/>
           </a:xfrm>
           <a:prstGeom prst="rect">
             <a:avLst/>
@@ -14333,7 +14328,7 @@
         <p:spPr>
           <a:xfrm>
             <a:off x="360000" y="720000"/>
-            <a:ext cx="9359640" cy="3959640"/>
+            <a:ext cx="9358920" cy="3958920"/>
           </a:xfrm>
           <a:prstGeom prst="rect">
             <a:avLst/>
@@ -14475,7 +14470,7 @@
         <p:txBody>
           <a:bodyPr/>
           <a:p>
-            <a:fld id="{A9742ABC-219D-4886-9637-1EAD48A550BA}" type="slidenum">
+            <a:fld id="{857BDD99-38C2-44E8-817C-D0EC20EFAE31}" type="slidenum">
               <a:t>6</a:t>
             </a:fld>
           </a:p>
@@ -14495,9 +14490,9 @@
         <p:txBody>
           <a:bodyPr/>
           <a:p>
-            <a:fld id="{0659C058-86C5-48C4-A949-AC851C3CD7C1}" type="datetime1">
+            <a:fld id="{530CBF69-CFF2-4A24-91E4-875C82F5389E}" type="datetime1">
               <a:rPr lang="en-IN"/>
-              <a:t>31/12/2022</a:t>
+              <a:t>05/09/2023</a:t>
             </a:fld>
           </a:p>
         </p:txBody>
@@ -14545,7 +14540,7 @@
         <p:spPr>
           <a:xfrm>
             <a:off x="360000" y="180000"/>
-            <a:ext cx="9359640" cy="477720"/>
+            <a:ext cx="9358920" cy="477000"/>
           </a:xfrm>
           <a:prstGeom prst="rect">
             <a:avLst/>
@@ -14594,7 +14589,7 @@
         <p:spPr>
           <a:xfrm>
             <a:off x="360000" y="720000"/>
-            <a:ext cx="9359640" cy="3959640"/>
+            <a:ext cx="9358920" cy="3958920"/>
           </a:xfrm>
           <a:prstGeom prst="rect">
             <a:avLst/>
@@ -14694,7 +14689,7 @@
         <p:txBody>
           <a:bodyPr/>
           <a:p>
-            <a:fld id="{B73F1262-A6B7-47A4-ADDD-3139529D7A15}" type="slidenum">
+            <a:fld id="{A8B12220-D01B-4816-903D-0D17C773633F}" type="slidenum">
               <a:t>7</a:t>
             </a:fld>
           </a:p>
@@ -14714,9 +14709,9 @@
         <p:txBody>
           <a:bodyPr/>
           <a:p>
-            <a:fld id="{C06EBC56-89B1-41EC-8F98-453A275427CA}" type="datetime1">
+            <a:fld id="{33EC9506-51B3-4CF2-90D9-EE54FC964E90}" type="datetime1">
               <a:rPr lang="en-IN"/>
-              <a:t>31/12/2022</a:t>
+              <a:t>05/09/2023</a:t>
             </a:fld>
           </a:p>
         </p:txBody>
@@ -14764,7 +14759,7 @@
         <p:spPr>
           <a:xfrm>
             <a:off x="360000" y="180000"/>
-            <a:ext cx="9359640" cy="477720"/>
+            <a:ext cx="9358920" cy="477000"/>
           </a:xfrm>
           <a:prstGeom prst="rect">
             <a:avLst/>
@@ -14813,7 +14808,7 @@
         <p:spPr>
           <a:xfrm>
             <a:off x="360000" y="720000"/>
-            <a:ext cx="9359640" cy="3959640"/>
+            <a:ext cx="9358920" cy="3958920"/>
           </a:xfrm>
           <a:prstGeom prst="rect">
             <a:avLst/>
@@ -15048,7 +15043,7 @@
         <p:txBody>
           <a:bodyPr/>
           <a:p>
-            <a:fld id="{4B8DA138-26CD-475F-B480-4E4D5EFA665F}" type="slidenum">
+            <a:fld id="{3A33DE66-B72F-449A-AA1F-A55BAEC2C87B}" type="slidenum">
               <a:t>8</a:t>
             </a:fld>
           </a:p>
@@ -15068,9 +15063,9 @@
         <p:txBody>
           <a:bodyPr/>
           <a:p>
-            <a:fld id="{44C22207-CA23-4051-988C-52D366EA2165}" type="datetime1">
+            <a:fld id="{9D1354AB-E887-4B4E-9B52-E9197F688726}" type="datetime1">
               <a:rPr lang="en-IN"/>
-              <a:t>31/12/2022</a:t>
+              <a:t>05/09/2023</a:t>
             </a:fld>
           </a:p>
         </p:txBody>
@@ -15118,7 +15113,7 @@
         <p:spPr>
           <a:xfrm>
             <a:off x="360000" y="180000"/>
-            <a:ext cx="9359640" cy="477720"/>
+            <a:ext cx="9358920" cy="477000"/>
           </a:xfrm>
           <a:prstGeom prst="rect">
             <a:avLst/>
@@ -15167,7 +15162,7 @@
         <p:spPr>
           <a:xfrm>
             <a:off x="360000" y="720000"/>
-            <a:ext cx="9359640" cy="3959640"/>
+            <a:ext cx="9358920" cy="3958920"/>
           </a:xfrm>
           <a:prstGeom prst="rect">
             <a:avLst/>
@@ -15351,7 +15346,7 @@
         <p:txBody>
           <a:bodyPr/>
           <a:p>
-            <a:fld id="{D9673AEC-112B-4EE1-A7B0-B83DED806E7E}" type="slidenum">
+            <a:fld id="{ADCF3634-5DE4-49D2-95E6-D6CAA735DECF}" type="slidenum">
               <a:t>9</a:t>
             </a:fld>
           </a:p>
@@ -15371,9 +15366,9 @@
         <p:txBody>
           <a:bodyPr/>
           <a:p>
-            <a:fld id="{9F73D77E-5AC6-43AD-8AAF-AFBAE92B7ED6}" type="datetime1">
+            <a:fld id="{F98B9A61-ABAC-4763-BEA1-C004368094DE}" type="datetime1">
               <a:rPr lang="en-IN"/>
-              <a:t>31/12/2022</a:t>
+              <a:t>05/09/2023</a:t>
             </a:fld>
           </a:p>
         </p:txBody>
